--- a/Lecture Slides/VideoLectureSlides/6.4.pptx
+++ b/Lecture Slides/VideoLectureSlides/6.4.pptx
@@ -5,7 +5,7 @@
     <p:sldMasterId id="2147483660" r:id="rId4"/>
   </p:sldMasterIdLst>
   <p:notesMasterIdLst>
-    <p:notesMasterId r:id="rId16"/>
+    <p:notesMasterId r:id="rId17"/>
   </p:notesMasterIdLst>
   <p:sldIdLst>
     <p:sldId id="256" r:id="rId5"/>
@@ -14,11 +14,12 @@
     <p:sldId id="262" r:id="rId8"/>
     <p:sldId id="263" r:id="rId9"/>
     <p:sldId id="264" r:id="rId10"/>
-    <p:sldId id="265" r:id="rId11"/>
-    <p:sldId id="290" r:id="rId12"/>
-    <p:sldId id="287" r:id="rId13"/>
-    <p:sldId id="266" r:id="rId14"/>
-    <p:sldId id="267" r:id="rId15"/>
+    <p:sldId id="291" r:id="rId11"/>
+    <p:sldId id="265" r:id="rId12"/>
+    <p:sldId id="290" r:id="rId13"/>
+    <p:sldId id="287" r:id="rId14"/>
+    <p:sldId id="266" r:id="rId15"/>
+    <p:sldId id="267" r:id="rId16"/>
   </p:sldIdLst>
   <p:sldSz cx="9144000" cy="6858000" type="screen4x3"/>
   <p:notesSz cx="6858000" cy="9144000"/>
@@ -232,7 +233,7 @@
           <a:p>
             <a:fld id="{1AA1AB63-216F-4D5B-8811-CCB935E98D4A}" type="datetimeFigureOut">
               <a:rPr lang="en-US" smtClean="0"/>
-              <a:t>7/2/2021</a:t>
+              <a:t>7/7/2021</a:t>
             </a:fld>
             <a:endParaRPr lang="en-US"/>
           </a:p>
@@ -3760,6 +3761,80 @@
             <a:spLocks noGrp="1"/>
           </p:cNvSpPr>
           <p:nvPr>
+            <p:ph type="ctrTitle"/>
+          </p:nvPr>
+        </p:nvSpPr>
+        <p:spPr/>
+        <p:txBody>
+          <a:bodyPr/>
+          <a:lstStyle/>
+          <a:p>
+            <a:r>
+              <a:rPr lang="en-US" dirty="0"/>
+              <a:t>Thanks for Watching</a:t>
+            </a:r>
+          </a:p>
+        </p:txBody>
+      </p:sp>
+      <p:sp>
+        <p:nvSpPr>
+          <p:cNvPr id="3" name="Subtitle 2"/>
+          <p:cNvSpPr>
+            <a:spLocks noGrp="1"/>
+          </p:cNvSpPr>
+          <p:nvPr>
+            <p:ph type="subTitle" idx="1"/>
+          </p:nvPr>
+        </p:nvSpPr>
+        <p:spPr/>
+        <p:txBody>
+          <a:bodyPr/>
+          <a:lstStyle/>
+          <a:p>
+            <a:r>
+              <a:rPr lang="en-US" dirty="0"/>
+              <a:t>See other engineering mechanics videos and access the full tool at…</a:t>
+            </a:r>
+          </a:p>
+        </p:txBody>
+      </p:sp>
+    </p:spTree>
+    <p:extLst>
+      <p:ext uri="{BB962C8B-B14F-4D97-AF65-F5344CB8AC3E}">
+        <p14:creationId xmlns:p14="http://schemas.microsoft.com/office/powerpoint/2010/main" val="3129637585"/>
+      </p:ext>
+    </p:extLst>
+  </p:cSld>
+  <p:clrMapOvr>
+    <a:masterClrMapping/>
+  </p:clrMapOvr>
+</p:sld>
+</file>
+
+<file path=ppt/slides/slide11.xml><?xml version="1.0" encoding="utf-8"?>
+<p:sld xmlns:a="http://schemas.openxmlformats.org/drawingml/2006/main" xmlns:r="http://schemas.openxmlformats.org/officeDocument/2006/relationships" xmlns:p="http://schemas.openxmlformats.org/presentationml/2006/main">
+  <p:cSld>
+    <p:spTree>
+      <p:nvGrpSpPr>
+        <p:cNvPr id="1" name=""/>
+        <p:cNvGrpSpPr/>
+        <p:nvPr/>
+      </p:nvGrpSpPr>
+      <p:grpSpPr>
+        <a:xfrm>
+          <a:off x="0" y="0"/>
+          <a:ext cx="0" cy="0"/>
+          <a:chOff x="0" y="0"/>
+          <a:chExt cx="0" cy="0"/>
+        </a:xfrm>
+      </p:grpSpPr>
+      <p:sp>
+        <p:nvSpPr>
+          <p:cNvPr id="2" name="Title 1"/>
+          <p:cNvSpPr>
+            <a:spLocks noGrp="1"/>
+          </p:cNvSpPr>
+          <p:nvPr>
             <p:ph type="title"/>
           </p:nvPr>
         </p:nvSpPr>
@@ -4896,7 +4971,7 @@
 </p:sld>
 </file>
 
-<file path=ppt/slides/slide11.xml><?xml version="1.0" encoding="utf-8"?>
+<file path=ppt/slides/slide12.xml><?xml version="1.0" encoding="utf-8"?>
 <p:sld xmlns:a="http://schemas.openxmlformats.org/drawingml/2006/main" xmlns:r="http://schemas.openxmlformats.org/officeDocument/2006/relationships" xmlns:p="http://schemas.openxmlformats.org/presentationml/2006/main">
   <p:cSld>
     <p:spTree>
@@ -13002,6 +13077,2870 @@
           <a:chExt cx="0" cy="0"/>
         </a:xfrm>
       </p:grpSpPr>
+      <p:cxnSp>
+        <p:nvCxnSpPr>
+          <p:cNvPr id="4" name="Straight Connector 3"/>
+          <p:cNvCxnSpPr/>
+          <p:nvPr/>
+        </p:nvCxnSpPr>
+        <p:spPr>
+          <a:xfrm flipV="1">
+            <a:off x="6896100" y="1647175"/>
+            <a:ext cx="0" cy="1028700"/>
+          </a:xfrm>
+          <a:prstGeom prst="line">
+            <a:avLst/>
+          </a:prstGeom>
+        </p:spPr>
+        <p:style>
+          <a:lnRef idx="1">
+            <a:schemeClr val="accent1"/>
+          </a:lnRef>
+          <a:fillRef idx="0">
+            <a:schemeClr val="accent1"/>
+          </a:fillRef>
+          <a:effectRef idx="0">
+            <a:schemeClr val="accent1"/>
+          </a:effectRef>
+          <a:fontRef idx="minor">
+            <a:schemeClr val="tx1"/>
+          </a:fontRef>
+        </p:style>
+      </p:cxnSp>
+      <p:cxnSp>
+        <p:nvCxnSpPr>
+          <p:cNvPr id="5" name="Straight Connector 4"/>
+          <p:cNvCxnSpPr/>
+          <p:nvPr/>
+        </p:nvCxnSpPr>
+        <p:spPr>
+          <a:xfrm flipV="1">
+            <a:off x="8001000" y="1661829"/>
+            <a:ext cx="0" cy="1028700"/>
+          </a:xfrm>
+          <a:prstGeom prst="line">
+            <a:avLst/>
+          </a:prstGeom>
+        </p:spPr>
+        <p:style>
+          <a:lnRef idx="1">
+            <a:schemeClr val="accent1"/>
+          </a:lnRef>
+          <a:fillRef idx="0">
+            <a:schemeClr val="accent1"/>
+          </a:fillRef>
+          <a:effectRef idx="0">
+            <a:schemeClr val="accent1"/>
+          </a:effectRef>
+          <a:fontRef idx="minor">
+            <a:schemeClr val="tx1"/>
+          </a:fontRef>
+        </p:style>
+      </p:cxnSp>
+      <p:cxnSp>
+        <p:nvCxnSpPr>
+          <p:cNvPr id="6" name="Straight Connector 5"/>
+          <p:cNvCxnSpPr/>
+          <p:nvPr/>
+        </p:nvCxnSpPr>
+        <p:spPr>
+          <a:xfrm flipV="1">
+            <a:off x="5791200" y="1632521"/>
+            <a:ext cx="0" cy="1028700"/>
+          </a:xfrm>
+          <a:prstGeom prst="line">
+            <a:avLst/>
+          </a:prstGeom>
+        </p:spPr>
+        <p:style>
+          <a:lnRef idx="1">
+            <a:schemeClr val="accent1"/>
+          </a:lnRef>
+          <a:fillRef idx="0">
+            <a:schemeClr val="accent1"/>
+          </a:fillRef>
+          <a:effectRef idx="0">
+            <a:schemeClr val="accent1"/>
+          </a:effectRef>
+          <a:fontRef idx="minor">
+            <a:schemeClr val="tx1"/>
+          </a:fontRef>
+        </p:style>
+      </p:cxnSp>
+      <p:sp>
+        <p:nvSpPr>
+          <p:cNvPr id="7" name="Rectangle 6"/>
+          <p:cNvSpPr/>
+          <p:nvPr/>
+        </p:nvSpPr>
+        <p:spPr>
+          <a:xfrm>
+            <a:off x="1066800" y="2690529"/>
+            <a:ext cx="6934200" cy="381000"/>
+          </a:xfrm>
+          <a:prstGeom prst="rect">
+            <a:avLst/>
+          </a:prstGeom>
+        </p:spPr>
+        <p:style>
+          <a:lnRef idx="1">
+            <a:schemeClr val="dk1"/>
+          </a:lnRef>
+          <a:fillRef idx="2">
+            <a:schemeClr val="dk1"/>
+          </a:fillRef>
+          <a:effectRef idx="1">
+            <a:schemeClr val="dk1"/>
+          </a:effectRef>
+          <a:fontRef idx="minor">
+            <a:schemeClr val="dk1"/>
+          </a:fontRef>
+        </p:style>
+        <p:txBody>
+          <a:bodyPr rtlCol="0" anchor="ctr"/>
+          <a:lstStyle/>
+          <a:p>
+            <a:pPr algn="ctr"/>
+            <a:endParaRPr lang="en-US"/>
+          </a:p>
+        </p:txBody>
+      </p:sp>
+      <p:cxnSp>
+        <p:nvCxnSpPr>
+          <p:cNvPr id="8" name="Straight Arrow Connector 7"/>
+          <p:cNvCxnSpPr/>
+          <p:nvPr/>
+        </p:nvCxnSpPr>
+        <p:spPr>
+          <a:xfrm>
+            <a:off x="1066800" y="1632521"/>
+            <a:ext cx="0" cy="1058008"/>
+          </a:xfrm>
+          <a:prstGeom prst="straightConnector1">
+            <a:avLst/>
+          </a:prstGeom>
+          <a:ln>
+            <a:solidFill>
+              <a:srgbClr val="FF0000"/>
+            </a:solidFill>
+            <a:tailEnd type="arrow"/>
+          </a:ln>
+        </p:spPr>
+        <p:style>
+          <a:lnRef idx="2">
+            <a:schemeClr val="accent2"/>
+          </a:lnRef>
+          <a:fillRef idx="0">
+            <a:schemeClr val="accent2"/>
+          </a:fillRef>
+          <a:effectRef idx="1">
+            <a:schemeClr val="accent2"/>
+          </a:effectRef>
+          <a:fontRef idx="minor">
+            <a:schemeClr val="tx1"/>
+          </a:fontRef>
+        </p:style>
+      </p:cxnSp>
+      <p:sp>
+        <p:nvSpPr>
+          <p:cNvPr id="9" name="Rounded Rectangle 8"/>
+          <p:cNvSpPr/>
+          <p:nvPr/>
+        </p:nvSpPr>
+        <p:spPr>
+          <a:xfrm>
+            <a:off x="2438400" y="2775521"/>
+            <a:ext cx="228600" cy="825011"/>
+          </a:xfrm>
+          <a:prstGeom prst="roundRect">
+            <a:avLst>
+              <a:gd name="adj" fmla="val 50000"/>
+            </a:avLst>
+          </a:prstGeom>
+        </p:spPr>
+        <p:style>
+          <a:lnRef idx="1">
+            <a:schemeClr val="dk1"/>
+          </a:lnRef>
+          <a:fillRef idx="2">
+            <a:schemeClr val="dk1"/>
+          </a:fillRef>
+          <a:effectRef idx="1">
+            <a:schemeClr val="dk1"/>
+          </a:effectRef>
+          <a:fontRef idx="minor">
+            <a:schemeClr val="dk1"/>
+          </a:fontRef>
+        </p:style>
+        <p:txBody>
+          <a:bodyPr rtlCol="0" anchor="ctr"/>
+          <a:lstStyle/>
+          <a:p>
+            <a:pPr algn="ctr"/>
+            <a:endParaRPr lang="en-US"/>
+          </a:p>
+        </p:txBody>
+      </p:sp>
+      <p:sp>
+        <p:nvSpPr>
+          <p:cNvPr id="10" name="Oval 9"/>
+          <p:cNvSpPr/>
+          <p:nvPr/>
+        </p:nvSpPr>
+        <p:spPr>
+          <a:xfrm>
+            <a:off x="2514600" y="2851721"/>
+            <a:ext cx="76200" cy="76200"/>
+          </a:xfrm>
+          <a:prstGeom prst="ellipse">
+            <a:avLst/>
+          </a:prstGeom>
+        </p:spPr>
+        <p:style>
+          <a:lnRef idx="2">
+            <a:schemeClr val="dk1">
+              <a:shade val="50000"/>
+            </a:schemeClr>
+          </a:lnRef>
+          <a:fillRef idx="1">
+            <a:schemeClr val="dk1"/>
+          </a:fillRef>
+          <a:effectRef idx="0">
+            <a:schemeClr val="dk1"/>
+          </a:effectRef>
+          <a:fontRef idx="minor">
+            <a:schemeClr val="lt1"/>
+          </a:fontRef>
+        </p:style>
+        <p:txBody>
+          <a:bodyPr rtlCol="0" anchor="ctr"/>
+          <a:lstStyle/>
+          <a:p>
+            <a:pPr algn="ctr"/>
+            <a:endParaRPr lang="en-US"/>
+          </a:p>
+        </p:txBody>
+      </p:sp>
+      <p:sp>
+        <p:nvSpPr>
+          <p:cNvPr id="11" name="Rectangle 10"/>
+          <p:cNvSpPr/>
+          <p:nvPr/>
+        </p:nvSpPr>
+        <p:spPr>
+          <a:xfrm>
+            <a:off x="-38100" y="3305457"/>
+            <a:ext cx="9144000" cy="360809"/>
+          </a:xfrm>
+          <a:prstGeom prst="rect">
+            <a:avLst/>
+          </a:prstGeom>
+        </p:spPr>
+        <p:style>
+          <a:lnRef idx="2">
+            <a:schemeClr val="accent3">
+              <a:shade val="50000"/>
+            </a:schemeClr>
+          </a:lnRef>
+          <a:fillRef idx="1">
+            <a:schemeClr val="accent3"/>
+          </a:fillRef>
+          <a:effectRef idx="0">
+            <a:schemeClr val="accent3"/>
+          </a:effectRef>
+          <a:fontRef idx="minor">
+            <a:schemeClr val="lt1"/>
+          </a:fontRef>
+        </p:style>
+        <p:txBody>
+          <a:bodyPr rtlCol="0" anchor="ctr"/>
+          <a:lstStyle/>
+          <a:p>
+            <a:pPr algn="ctr"/>
+            <a:endParaRPr lang="en-US"/>
+          </a:p>
+        </p:txBody>
+      </p:sp>
+      <p:sp>
+        <p:nvSpPr>
+          <p:cNvPr id="12" name="Rounded Rectangle 11"/>
+          <p:cNvSpPr/>
+          <p:nvPr/>
+        </p:nvSpPr>
+        <p:spPr>
+          <a:xfrm>
+            <a:off x="6781800" y="3071529"/>
+            <a:ext cx="228600" cy="237392"/>
+          </a:xfrm>
+          <a:prstGeom prst="roundRect">
+            <a:avLst>
+              <a:gd name="adj" fmla="val 50000"/>
+            </a:avLst>
+          </a:prstGeom>
+        </p:spPr>
+        <p:style>
+          <a:lnRef idx="1">
+            <a:schemeClr val="dk1"/>
+          </a:lnRef>
+          <a:fillRef idx="2">
+            <a:schemeClr val="dk1"/>
+          </a:fillRef>
+          <a:effectRef idx="1">
+            <a:schemeClr val="dk1"/>
+          </a:effectRef>
+          <a:fontRef idx="minor">
+            <a:schemeClr val="dk1"/>
+          </a:fontRef>
+        </p:style>
+        <p:txBody>
+          <a:bodyPr rtlCol="0" anchor="ctr"/>
+          <a:lstStyle/>
+          <a:p>
+            <a:pPr algn="ctr"/>
+            <a:endParaRPr lang="en-US"/>
+          </a:p>
+        </p:txBody>
+      </p:sp>
+      <p:cxnSp>
+        <p:nvCxnSpPr>
+          <p:cNvPr id="13" name="Straight Arrow Connector 12"/>
+          <p:cNvCxnSpPr/>
+          <p:nvPr/>
+        </p:nvCxnSpPr>
+        <p:spPr>
+          <a:xfrm>
+            <a:off x="5791200" y="2161525"/>
+            <a:ext cx="0" cy="529004"/>
+          </a:xfrm>
+          <a:prstGeom prst="straightConnector1">
+            <a:avLst/>
+          </a:prstGeom>
+          <a:ln>
+            <a:solidFill>
+              <a:srgbClr val="FF0000"/>
+            </a:solidFill>
+            <a:tailEnd type="arrow"/>
+          </a:ln>
+        </p:spPr>
+        <p:style>
+          <a:lnRef idx="2">
+            <a:schemeClr val="accent2"/>
+          </a:lnRef>
+          <a:fillRef idx="0">
+            <a:schemeClr val="accent2"/>
+          </a:fillRef>
+          <a:effectRef idx="1">
+            <a:schemeClr val="accent2"/>
+          </a:effectRef>
+          <a:fontRef idx="minor">
+            <a:schemeClr val="tx1"/>
+          </a:fontRef>
+        </p:style>
+      </p:cxnSp>
+      <p:cxnSp>
+        <p:nvCxnSpPr>
+          <p:cNvPr id="14" name="Straight Arrow Connector 13"/>
+          <p:cNvCxnSpPr/>
+          <p:nvPr/>
+        </p:nvCxnSpPr>
+        <p:spPr>
+          <a:xfrm>
+            <a:off x="6067425" y="2161525"/>
+            <a:ext cx="0" cy="529004"/>
+          </a:xfrm>
+          <a:prstGeom prst="straightConnector1">
+            <a:avLst/>
+          </a:prstGeom>
+          <a:ln>
+            <a:solidFill>
+              <a:srgbClr val="FF0000"/>
+            </a:solidFill>
+            <a:tailEnd type="arrow"/>
+          </a:ln>
+        </p:spPr>
+        <p:style>
+          <a:lnRef idx="2">
+            <a:schemeClr val="accent2"/>
+          </a:lnRef>
+          <a:fillRef idx="0">
+            <a:schemeClr val="accent2"/>
+          </a:fillRef>
+          <a:effectRef idx="1">
+            <a:schemeClr val="accent2"/>
+          </a:effectRef>
+          <a:fontRef idx="minor">
+            <a:schemeClr val="tx1"/>
+          </a:fontRef>
+        </p:style>
+      </p:cxnSp>
+      <p:cxnSp>
+        <p:nvCxnSpPr>
+          <p:cNvPr id="15" name="Straight Arrow Connector 14"/>
+          <p:cNvCxnSpPr/>
+          <p:nvPr/>
+        </p:nvCxnSpPr>
+        <p:spPr>
+          <a:xfrm>
+            <a:off x="6343650" y="2161525"/>
+            <a:ext cx="0" cy="529004"/>
+          </a:xfrm>
+          <a:prstGeom prst="straightConnector1">
+            <a:avLst/>
+          </a:prstGeom>
+          <a:ln>
+            <a:solidFill>
+              <a:srgbClr val="FF0000"/>
+            </a:solidFill>
+            <a:tailEnd type="arrow"/>
+          </a:ln>
+        </p:spPr>
+        <p:style>
+          <a:lnRef idx="2">
+            <a:schemeClr val="accent2"/>
+          </a:lnRef>
+          <a:fillRef idx="0">
+            <a:schemeClr val="accent2"/>
+          </a:fillRef>
+          <a:effectRef idx="1">
+            <a:schemeClr val="accent2"/>
+          </a:effectRef>
+          <a:fontRef idx="minor">
+            <a:schemeClr val="tx1"/>
+          </a:fontRef>
+        </p:style>
+      </p:cxnSp>
+      <p:cxnSp>
+        <p:nvCxnSpPr>
+          <p:cNvPr id="16" name="Straight Arrow Connector 15"/>
+          <p:cNvCxnSpPr/>
+          <p:nvPr/>
+        </p:nvCxnSpPr>
+        <p:spPr>
+          <a:xfrm>
+            <a:off x="6619875" y="2161525"/>
+            <a:ext cx="0" cy="529004"/>
+          </a:xfrm>
+          <a:prstGeom prst="straightConnector1">
+            <a:avLst/>
+          </a:prstGeom>
+          <a:ln>
+            <a:solidFill>
+              <a:srgbClr val="FF0000"/>
+            </a:solidFill>
+            <a:tailEnd type="arrow"/>
+          </a:ln>
+        </p:spPr>
+        <p:style>
+          <a:lnRef idx="2">
+            <a:schemeClr val="accent2"/>
+          </a:lnRef>
+          <a:fillRef idx="0">
+            <a:schemeClr val="accent2"/>
+          </a:fillRef>
+          <a:effectRef idx="1">
+            <a:schemeClr val="accent2"/>
+          </a:effectRef>
+          <a:fontRef idx="minor">
+            <a:schemeClr val="tx1"/>
+          </a:fontRef>
+        </p:style>
+      </p:cxnSp>
+      <p:cxnSp>
+        <p:nvCxnSpPr>
+          <p:cNvPr id="17" name="Straight Arrow Connector 16"/>
+          <p:cNvCxnSpPr/>
+          <p:nvPr/>
+        </p:nvCxnSpPr>
+        <p:spPr>
+          <a:xfrm>
+            <a:off x="6896100" y="2161525"/>
+            <a:ext cx="0" cy="529004"/>
+          </a:xfrm>
+          <a:prstGeom prst="straightConnector1">
+            <a:avLst/>
+          </a:prstGeom>
+          <a:ln>
+            <a:solidFill>
+              <a:srgbClr val="FF0000"/>
+            </a:solidFill>
+            <a:tailEnd type="arrow"/>
+          </a:ln>
+        </p:spPr>
+        <p:style>
+          <a:lnRef idx="2">
+            <a:schemeClr val="accent2"/>
+          </a:lnRef>
+          <a:fillRef idx="0">
+            <a:schemeClr val="accent2"/>
+          </a:fillRef>
+          <a:effectRef idx="1">
+            <a:schemeClr val="accent2"/>
+          </a:effectRef>
+          <a:fontRef idx="minor">
+            <a:schemeClr val="tx1"/>
+          </a:fontRef>
+        </p:style>
+      </p:cxnSp>
+      <p:cxnSp>
+        <p:nvCxnSpPr>
+          <p:cNvPr id="18" name="Straight Arrow Connector 17"/>
+          <p:cNvCxnSpPr/>
+          <p:nvPr/>
+        </p:nvCxnSpPr>
+        <p:spPr>
+          <a:xfrm>
+            <a:off x="7172325" y="2161525"/>
+            <a:ext cx="0" cy="529004"/>
+          </a:xfrm>
+          <a:prstGeom prst="straightConnector1">
+            <a:avLst/>
+          </a:prstGeom>
+          <a:ln>
+            <a:solidFill>
+              <a:srgbClr val="FF0000"/>
+            </a:solidFill>
+            <a:tailEnd type="arrow"/>
+          </a:ln>
+        </p:spPr>
+        <p:style>
+          <a:lnRef idx="2">
+            <a:schemeClr val="accent2"/>
+          </a:lnRef>
+          <a:fillRef idx="0">
+            <a:schemeClr val="accent2"/>
+          </a:fillRef>
+          <a:effectRef idx="1">
+            <a:schemeClr val="accent2"/>
+          </a:effectRef>
+          <a:fontRef idx="minor">
+            <a:schemeClr val="tx1"/>
+          </a:fontRef>
+        </p:style>
+      </p:cxnSp>
+      <p:cxnSp>
+        <p:nvCxnSpPr>
+          <p:cNvPr id="19" name="Straight Arrow Connector 18"/>
+          <p:cNvCxnSpPr/>
+          <p:nvPr/>
+        </p:nvCxnSpPr>
+        <p:spPr>
+          <a:xfrm>
+            <a:off x="7448550" y="2161525"/>
+            <a:ext cx="0" cy="529004"/>
+          </a:xfrm>
+          <a:prstGeom prst="straightConnector1">
+            <a:avLst/>
+          </a:prstGeom>
+          <a:ln>
+            <a:solidFill>
+              <a:srgbClr val="FF0000"/>
+            </a:solidFill>
+            <a:tailEnd type="arrow"/>
+          </a:ln>
+        </p:spPr>
+        <p:style>
+          <a:lnRef idx="2">
+            <a:schemeClr val="accent2"/>
+          </a:lnRef>
+          <a:fillRef idx="0">
+            <a:schemeClr val="accent2"/>
+          </a:fillRef>
+          <a:effectRef idx="1">
+            <a:schemeClr val="accent2"/>
+          </a:effectRef>
+          <a:fontRef idx="minor">
+            <a:schemeClr val="tx1"/>
+          </a:fontRef>
+        </p:style>
+      </p:cxnSp>
+      <p:cxnSp>
+        <p:nvCxnSpPr>
+          <p:cNvPr id="20" name="Straight Arrow Connector 19"/>
+          <p:cNvCxnSpPr/>
+          <p:nvPr/>
+        </p:nvCxnSpPr>
+        <p:spPr>
+          <a:xfrm>
+            <a:off x="7724775" y="2161525"/>
+            <a:ext cx="0" cy="529004"/>
+          </a:xfrm>
+          <a:prstGeom prst="straightConnector1">
+            <a:avLst/>
+          </a:prstGeom>
+          <a:ln>
+            <a:solidFill>
+              <a:srgbClr val="FF0000"/>
+            </a:solidFill>
+            <a:tailEnd type="arrow"/>
+          </a:ln>
+        </p:spPr>
+        <p:style>
+          <a:lnRef idx="2">
+            <a:schemeClr val="accent2"/>
+          </a:lnRef>
+          <a:fillRef idx="0">
+            <a:schemeClr val="accent2"/>
+          </a:fillRef>
+          <a:effectRef idx="1">
+            <a:schemeClr val="accent2"/>
+          </a:effectRef>
+          <a:fontRef idx="minor">
+            <a:schemeClr val="tx1"/>
+          </a:fontRef>
+        </p:style>
+      </p:cxnSp>
+      <p:cxnSp>
+        <p:nvCxnSpPr>
+          <p:cNvPr id="21" name="Straight Arrow Connector 20"/>
+          <p:cNvCxnSpPr/>
+          <p:nvPr/>
+        </p:nvCxnSpPr>
+        <p:spPr>
+          <a:xfrm>
+            <a:off x="8001000" y="2161525"/>
+            <a:ext cx="0" cy="529004"/>
+          </a:xfrm>
+          <a:prstGeom prst="straightConnector1">
+            <a:avLst/>
+          </a:prstGeom>
+          <a:ln>
+            <a:solidFill>
+              <a:srgbClr val="FF0000"/>
+            </a:solidFill>
+            <a:tailEnd type="arrow"/>
+          </a:ln>
+        </p:spPr>
+        <p:style>
+          <a:lnRef idx="2">
+            <a:schemeClr val="accent2"/>
+          </a:lnRef>
+          <a:fillRef idx="0">
+            <a:schemeClr val="accent2"/>
+          </a:fillRef>
+          <a:effectRef idx="1">
+            <a:schemeClr val="accent2"/>
+          </a:effectRef>
+          <a:fontRef idx="minor">
+            <a:schemeClr val="tx1"/>
+          </a:fontRef>
+        </p:style>
+      </p:cxnSp>
+      <p:cxnSp>
+        <p:nvCxnSpPr>
+          <p:cNvPr id="22" name="Straight Connector 21"/>
+          <p:cNvCxnSpPr/>
+          <p:nvPr/>
+        </p:nvCxnSpPr>
+        <p:spPr>
+          <a:xfrm>
+            <a:off x="5791200" y="2161525"/>
+            <a:ext cx="2209800" cy="0"/>
+          </a:xfrm>
+          <a:prstGeom prst="line">
+            <a:avLst/>
+          </a:prstGeom>
+          <a:ln>
+            <a:solidFill>
+              <a:srgbClr val="FF0000"/>
+            </a:solidFill>
+          </a:ln>
+        </p:spPr>
+        <p:style>
+          <a:lnRef idx="2">
+            <a:schemeClr val="accent2"/>
+          </a:lnRef>
+          <a:fillRef idx="0">
+            <a:schemeClr val="accent2"/>
+          </a:fillRef>
+          <a:effectRef idx="1">
+            <a:schemeClr val="accent2"/>
+          </a:effectRef>
+          <a:fontRef idx="minor">
+            <a:schemeClr val="tx1"/>
+          </a:fontRef>
+        </p:style>
+      </p:cxnSp>
+      <p:cxnSp>
+        <p:nvCxnSpPr>
+          <p:cNvPr id="23" name="Straight Connector 22"/>
+          <p:cNvCxnSpPr/>
+          <p:nvPr/>
+        </p:nvCxnSpPr>
+        <p:spPr>
+          <a:xfrm flipV="1">
+            <a:off x="2552700" y="1632521"/>
+            <a:ext cx="0" cy="990600"/>
+          </a:xfrm>
+          <a:prstGeom prst="line">
+            <a:avLst/>
+          </a:prstGeom>
+        </p:spPr>
+        <p:style>
+          <a:lnRef idx="1">
+            <a:schemeClr val="accent1"/>
+          </a:lnRef>
+          <a:fillRef idx="0">
+            <a:schemeClr val="accent1"/>
+          </a:fillRef>
+          <a:effectRef idx="0">
+            <a:schemeClr val="accent1"/>
+          </a:effectRef>
+          <a:fontRef idx="minor">
+            <a:schemeClr val="tx1"/>
+          </a:fontRef>
+        </p:style>
+      </p:cxnSp>
+      <p:cxnSp>
+        <p:nvCxnSpPr>
+          <p:cNvPr id="24" name="Straight Connector 23"/>
+          <p:cNvCxnSpPr/>
+          <p:nvPr/>
+        </p:nvCxnSpPr>
+        <p:spPr>
+          <a:xfrm>
+            <a:off x="1066800" y="1784921"/>
+            <a:ext cx="6934200" cy="0"/>
+          </a:xfrm>
+          <a:prstGeom prst="line">
+            <a:avLst/>
+          </a:prstGeom>
+        </p:spPr>
+        <p:style>
+          <a:lnRef idx="1">
+            <a:schemeClr val="accent1"/>
+          </a:lnRef>
+          <a:fillRef idx="0">
+            <a:schemeClr val="accent1"/>
+          </a:fillRef>
+          <a:effectRef idx="0">
+            <a:schemeClr val="accent1"/>
+          </a:effectRef>
+          <a:fontRef idx="minor">
+            <a:schemeClr val="tx1"/>
+          </a:fontRef>
+        </p:style>
+      </p:cxnSp>
+      <p:sp>
+        <p:nvSpPr>
+          <p:cNvPr id="25" name="TextBox 24"/>
+          <p:cNvSpPr txBox="1"/>
+          <p:nvPr/>
+        </p:nvSpPr>
+        <p:spPr>
+          <a:xfrm>
+            <a:off x="1468315" y="1600255"/>
+            <a:ext cx="685800" cy="369332"/>
+          </a:xfrm>
+          <a:prstGeom prst="rect">
+            <a:avLst/>
+          </a:prstGeom>
+          <a:solidFill>
+            <a:schemeClr val="bg1"/>
+          </a:solidFill>
+        </p:spPr>
+        <p:txBody>
+          <a:bodyPr wrap="square" rtlCol="0">
+            <a:spAutoFit/>
+          </a:bodyPr>
+          <a:lstStyle/>
+          <a:p>
+            <a:pPr algn="ctr"/>
+            <a:r>
+              <a:rPr lang="en-US" dirty="0">
+                <a:solidFill>
+                  <a:schemeClr val="tx2"/>
+                </a:solidFill>
+              </a:rPr>
+              <a:t>3 m</a:t>
+            </a:r>
+          </a:p>
+        </p:txBody>
+      </p:sp>
+      <p:sp>
+        <p:nvSpPr>
+          <p:cNvPr id="26" name="TextBox 25"/>
+          <p:cNvSpPr txBox="1"/>
+          <p:nvPr/>
+        </p:nvSpPr>
+        <p:spPr>
+          <a:xfrm>
+            <a:off x="6067425" y="1600255"/>
+            <a:ext cx="685800" cy="369332"/>
+          </a:xfrm>
+          <a:prstGeom prst="rect">
+            <a:avLst/>
+          </a:prstGeom>
+          <a:solidFill>
+            <a:schemeClr val="bg1"/>
+          </a:solidFill>
+        </p:spPr>
+        <p:txBody>
+          <a:bodyPr wrap="square" rtlCol="0">
+            <a:spAutoFit/>
+          </a:bodyPr>
+          <a:lstStyle/>
+          <a:p>
+            <a:pPr algn="ctr"/>
+            <a:r>
+              <a:rPr lang="en-US" dirty="0">
+                <a:solidFill>
+                  <a:schemeClr val="tx2"/>
+                </a:solidFill>
+              </a:rPr>
+              <a:t>3 m</a:t>
+            </a:r>
+          </a:p>
+        </p:txBody>
+      </p:sp>
+      <p:sp>
+        <p:nvSpPr>
+          <p:cNvPr id="27" name="TextBox 26"/>
+          <p:cNvSpPr txBox="1"/>
+          <p:nvPr/>
+        </p:nvSpPr>
+        <p:spPr>
+          <a:xfrm>
+            <a:off x="7172325" y="1600255"/>
+            <a:ext cx="685800" cy="369332"/>
+          </a:xfrm>
+          <a:prstGeom prst="rect">
+            <a:avLst/>
+          </a:prstGeom>
+          <a:solidFill>
+            <a:schemeClr val="bg1"/>
+          </a:solidFill>
+        </p:spPr>
+        <p:txBody>
+          <a:bodyPr wrap="square" rtlCol="0">
+            <a:spAutoFit/>
+          </a:bodyPr>
+          <a:lstStyle/>
+          <a:p>
+            <a:pPr algn="ctr"/>
+            <a:r>
+              <a:rPr lang="en-US" dirty="0">
+                <a:solidFill>
+                  <a:schemeClr val="tx2"/>
+                </a:solidFill>
+              </a:rPr>
+              <a:t>3 m</a:t>
+            </a:r>
+          </a:p>
+        </p:txBody>
+      </p:sp>
+      <p:sp>
+        <p:nvSpPr>
+          <p:cNvPr id="28" name="TextBox 27"/>
+          <p:cNvSpPr txBox="1"/>
+          <p:nvPr/>
+        </p:nvSpPr>
+        <p:spPr>
+          <a:xfrm>
+            <a:off x="3848100" y="1600255"/>
+            <a:ext cx="685800" cy="369332"/>
+          </a:xfrm>
+          <a:prstGeom prst="rect">
+            <a:avLst/>
+          </a:prstGeom>
+          <a:solidFill>
+            <a:schemeClr val="bg1"/>
+          </a:solidFill>
+        </p:spPr>
+        <p:txBody>
+          <a:bodyPr wrap="square" rtlCol="0">
+            <a:spAutoFit/>
+          </a:bodyPr>
+          <a:lstStyle/>
+          <a:p>
+            <a:pPr algn="ctr"/>
+            <a:r>
+              <a:rPr lang="en-US" dirty="0">
+                <a:solidFill>
+                  <a:schemeClr val="tx2"/>
+                </a:solidFill>
+              </a:rPr>
+              <a:t>7 m</a:t>
+            </a:r>
+          </a:p>
+        </p:txBody>
+      </p:sp>
+      <p:sp>
+        <p:nvSpPr>
+          <p:cNvPr id="29" name="TextBox 28"/>
+          <p:cNvSpPr txBox="1"/>
+          <p:nvPr/>
+        </p:nvSpPr>
+        <p:spPr>
+          <a:xfrm>
+            <a:off x="728296" y="1219200"/>
+            <a:ext cx="677007" cy="369332"/>
+          </a:xfrm>
+          <a:prstGeom prst="rect">
+            <a:avLst/>
+          </a:prstGeom>
+          <a:noFill/>
+        </p:spPr>
+        <p:txBody>
+          <a:bodyPr wrap="square" rtlCol="0">
+            <a:spAutoFit/>
+          </a:bodyPr>
+          <a:lstStyle/>
+          <a:p>
+            <a:r>
+              <a:rPr lang="en-US" dirty="0">
+                <a:solidFill>
+                  <a:srgbClr val="FF0000"/>
+                </a:solidFill>
+              </a:rPr>
+              <a:t>6 </a:t>
+            </a:r>
+            <a:r>
+              <a:rPr lang="en-US" dirty="0" err="1">
+                <a:solidFill>
+                  <a:srgbClr val="FF0000"/>
+                </a:solidFill>
+              </a:rPr>
+              <a:t>kN</a:t>
+            </a:r>
+            <a:endParaRPr lang="en-US" dirty="0">
+              <a:solidFill>
+                <a:srgbClr val="FF0000"/>
+              </a:solidFill>
+            </a:endParaRPr>
+          </a:p>
+        </p:txBody>
+      </p:sp>
+      <p:sp>
+        <p:nvSpPr>
+          <p:cNvPr id="30" name="TextBox 29"/>
+          <p:cNvSpPr txBox="1"/>
+          <p:nvPr/>
+        </p:nvSpPr>
+        <p:spPr>
+          <a:xfrm>
+            <a:off x="4648200" y="2068391"/>
+            <a:ext cx="1066800" cy="369332"/>
+          </a:xfrm>
+          <a:prstGeom prst="rect">
+            <a:avLst/>
+          </a:prstGeom>
+          <a:noFill/>
+        </p:spPr>
+        <p:txBody>
+          <a:bodyPr wrap="square" rtlCol="0">
+            <a:spAutoFit/>
+          </a:bodyPr>
+          <a:lstStyle/>
+          <a:p>
+            <a:r>
+              <a:rPr lang="en-US" dirty="0">
+                <a:solidFill>
+                  <a:srgbClr val="FF0000"/>
+                </a:solidFill>
+              </a:rPr>
+              <a:t>1 </a:t>
+            </a:r>
+            <a:r>
+              <a:rPr lang="en-US" dirty="0" err="1">
+                <a:solidFill>
+                  <a:srgbClr val="FF0000"/>
+                </a:solidFill>
+              </a:rPr>
+              <a:t>kN</a:t>
+            </a:r>
+            <a:r>
+              <a:rPr lang="en-US" dirty="0">
+                <a:solidFill>
+                  <a:srgbClr val="FF0000"/>
+                </a:solidFill>
+              </a:rPr>
+              <a:t>/m</a:t>
+            </a:r>
+          </a:p>
+        </p:txBody>
+      </p:sp>
+      <p:sp>
+        <p:nvSpPr>
+          <p:cNvPr id="31" name="TextBox 30"/>
+          <p:cNvSpPr txBox="1"/>
+          <p:nvPr/>
+        </p:nvSpPr>
+        <p:spPr>
+          <a:xfrm>
+            <a:off x="2922687" y="1928323"/>
+            <a:ext cx="1069524" cy="369332"/>
+          </a:xfrm>
+          <a:prstGeom prst="rect">
+            <a:avLst/>
+          </a:prstGeom>
+          <a:noFill/>
+        </p:spPr>
+        <p:txBody>
+          <a:bodyPr wrap="none" rtlCol="0">
+            <a:spAutoFit/>
+          </a:bodyPr>
+          <a:lstStyle/>
+          <a:p>
+            <a:r>
+              <a:rPr lang="en-US" b="1" dirty="0">
+                <a:solidFill>
+                  <a:srgbClr val="7030A0"/>
+                </a:solidFill>
+              </a:rPr>
+              <a:t>36 </a:t>
+            </a:r>
+            <a:r>
+              <a:rPr lang="en-US" b="1" dirty="0" err="1">
+                <a:solidFill>
+                  <a:srgbClr val="7030A0"/>
+                </a:solidFill>
+              </a:rPr>
+              <a:t>kN</a:t>
+            </a:r>
+            <a:r>
+              <a:rPr lang="en-US" b="1" dirty="0">
+                <a:solidFill>
+                  <a:srgbClr val="7030A0"/>
+                </a:solidFill>
+              </a:rPr>
+              <a:t> m</a:t>
+            </a:r>
+          </a:p>
+        </p:txBody>
+      </p:sp>
+      <p:sp>
+        <p:nvSpPr>
+          <p:cNvPr id="32" name="Arc 31"/>
+          <p:cNvSpPr/>
+          <p:nvPr/>
+        </p:nvSpPr>
+        <p:spPr>
+          <a:xfrm flipH="1">
+            <a:off x="1812369" y="2142683"/>
+            <a:ext cx="1480661" cy="1494275"/>
+          </a:xfrm>
+          <a:prstGeom prst="arc">
+            <a:avLst>
+              <a:gd name="adj1" fmla="val 1848942"/>
+              <a:gd name="adj2" fmla="val 19699472"/>
+            </a:avLst>
+          </a:prstGeom>
+          <a:ln>
+            <a:solidFill>
+              <a:srgbClr val="7030A0"/>
+            </a:solidFill>
+            <a:headEnd type="arrow"/>
+            <a:tailEnd type="none" w="lg" len="lg"/>
+          </a:ln>
+        </p:spPr>
+        <p:style>
+          <a:lnRef idx="2">
+            <a:schemeClr val="accent1"/>
+          </a:lnRef>
+          <a:fillRef idx="0">
+            <a:schemeClr val="accent1"/>
+          </a:fillRef>
+          <a:effectRef idx="1">
+            <a:schemeClr val="accent1"/>
+          </a:effectRef>
+          <a:fontRef idx="minor">
+            <a:schemeClr val="tx1"/>
+          </a:fontRef>
+        </p:style>
+        <p:txBody>
+          <a:bodyPr rtlCol="0" anchor="ctr"/>
+          <a:lstStyle/>
+          <a:p>
+            <a:pPr algn="ctr"/>
+            <a:endParaRPr lang="en-US"/>
+          </a:p>
+        </p:txBody>
+      </p:sp>
+      <p:cxnSp>
+        <p:nvCxnSpPr>
+          <p:cNvPr id="35" name="Straight Arrow Connector 34">
+            <a:extLst>
+              <a:ext uri="{FF2B5EF4-FFF2-40B4-BE49-F238E27FC236}">
+                <a16:creationId xmlns:a16="http://schemas.microsoft.com/office/drawing/2014/main" id="{67FEA6FD-43A3-46B1-BCB1-1DF3603F47A2}"/>
+              </a:ext>
+            </a:extLst>
+          </p:cNvPr>
+          <p:cNvCxnSpPr>
+            <a:cxnSpLocks/>
+          </p:cNvCxnSpPr>
+          <p:nvPr/>
+        </p:nvCxnSpPr>
+        <p:spPr>
+          <a:xfrm flipH="1">
+            <a:off x="1066799" y="3944363"/>
+            <a:ext cx="1" cy="2685037"/>
+          </a:xfrm>
+          <a:prstGeom prst="straightConnector1">
+            <a:avLst/>
+          </a:prstGeom>
+          <a:ln>
+            <a:headEnd type="triangle"/>
+            <a:tailEnd type="triangle"/>
+          </a:ln>
+        </p:spPr>
+        <p:style>
+          <a:lnRef idx="3">
+            <a:schemeClr val="dk1"/>
+          </a:lnRef>
+          <a:fillRef idx="0">
+            <a:schemeClr val="dk1"/>
+          </a:fillRef>
+          <a:effectRef idx="2">
+            <a:schemeClr val="dk1"/>
+          </a:effectRef>
+          <a:fontRef idx="minor">
+            <a:schemeClr val="tx1"/>
+          </a:fontRef>
+        </p:style>
+      </p:cxnSp>
+      <p:cxnSp>
+        <p:nvCxnSpPr>
+          <p:cNvPr id="36" name="Straight Arrow Connector 35">
+            <a:extLst>
+              <a:ext uri="{FF2B5EF4-FFF2-40B4-BE49-F238E27FC236}">
+                <a16:creationId xmlns:a16="http://schemas.microsoft.com/office/drawing/2014/main" id="{F6A04132-659C-412D-811B-E4178A0D1726}"/>
+              </a:ext>
+            </a:extLst>
+          </p:cNvPr>
+          <p:cNvCxnSpPr>
+            <a:cxnSpLocks/>
+          </p:cNvCxnSpPr>
+          <p:nvPr/>
+        </p:nvCxnSpPr>
+        <p:spPr>
+          <a:xfrm flipV="1">
+            <a:off x="1066800" y="5105400"/>
+            <a:ext cx="7162800" cy="0"/>
+          </a:xfrm>
+          <a:prstGeom prst="straightConnector1">
+            <a:avLst/>
+          </a:prstGeom>
+          <a:ln>
+            <a:headEnd type="none" w="med" len="med"/>
+            <a:tailEnd type="triangle" w="med" len="med"/>
+          </a:ln>
+        </p:spPr>
+        <p:style>
+          <a:lnRef idx="3">
+            <a:schemeClr val="dk1"/>
+          </a:lnRef>
+          <a:fillRef idx="0">
+            <a:schemeClr val="dk1"/>
+          </a:fillRef>
+          <a:effectRef idx="2">
+            <a:schemeClr val="dk1"/>
+          </a:effectRef>
+          <a:fontRef idx="minor">
+            <a:schemeClr val="tx1"/>
+          </a:fontRef>
+        </p:style>
+      </p:cxnSp>
+      <p:sp>
+        <p:nvSpPr>
+          <p:cNvPr id="37" name="TextBox 36">
+            <a:extLst>
+              <a:ext uri="{FF2B5EF4-FFF2-40B4-BE49-F238E27FC236}">
+                <a16:creationId xmlns:a16="http://schemas.microsoft.com/office/drawing/2014/main" id="{6D6DF3A9-A2E8-490E-B3ED-F98060913EA8}"/>
+              </a:ext>
+            </a:extLst>
+          </p:cNvPr>
+          <p:cNvSpPr txBox="1"/>
+          <p:nvPr/>
+        </p:nvSpPr>
+        <p:spPr>
+          <a:xfrm rot="16200000">
+            <a:off x="188831" y="4559796"/>
+            <a:ext cx="1146339" cy="369332"/>
+          </a:xfrm>
+          <a:prstGeom prst="rect">
+            <a:avLst/>
+          </a:prstGeom>
+          <a:noFill/>
+        </p:spPr>
+        <p:txBody>
+          <a:bodyPr wrap="none" rtlCol="0">
+            <a:spAutoFit/>
+          </a:bodyPr>
+          <a:lstStyle/>
+          <a:p>
+            <a:r>
+              <a:rPr lang="en-US" dirty="0"/>
+              <a:t>Force (kN)</a:t>
+            </a:r>
+          </a:p>
+        </p:txBody>
+      </p:sp>
+      <p:sp>
+        <p:nvSpPr>
+          <p:cNvPr id="38" name="TextBox 37">
+            <a:extLst>
+              <a:ext uri="{FF2B5EF4-FFF2-40B4-BE49-F238E27FC236}">
+                <a16:creationId xmlns:a16="http://schemas.microsoft.com/office/drawing/2014/main" id="{114DD962-30EA-41DD-963B-5620A72EB3E9}"/>
+              </a:ext>
+            </a:extLst>
+          </p:cNvPr>
+          <p:cNvSpPr txBox="1"/>
+          <p:nvPr/>
+        </p:nvSpPr>
+        <p:spPr>
+          <a:xfrm>
+            <a:off x="7957066" y="4649210"/>
+            <a:ext cx="1219200" cy="668422"/>
+          </a:xfrm>
+          <a:prstGeom prst="rect">
+            <a:avLst/>
+          </a:prstGeom>
+          <a:noFill/>
+        </p:spPr>
+        <p:txBody>
+          <a:bodyPr wrap="square" rtlCol="0">
+            <a:spAutoFit/>
+          </a:bodyPr>
+          <a:lstStyle/>
+          <a:p>
+            <a:pPr algn="ctr"/>
+            <a:r>
+              <a:rPr lang="en-US" dirty="0"/>
+              <a:t>Location (m)</a:t>
+            </a:r>
+          </a:p>
+        </p:txBody>
+      </p:sp>
+      <p:cxnSp>
+        <p:nvCxnSpPr>
+          <p:cNvPr id="39" name="Straight Connector 38">
+            <a:extLst>
+              <a:ext uri="{FF2B5EF4-FFF2-40B4-BE49-F238E27FC236}">
+                <a16:creationId xmlns:a16="http://schemas.microsoft.com/office/drawing/2014/main" id="{5612357D-65F5-49A1-908A-8CCBDA0F66EB}"/>
+              </a:ext>
+            </a:extLst>
+          </p:cNvPr>
+          <p:cNvCxnSpPr>
+            <a:cxnSpLocks/>
+          </p:cNvCxnSpPr>
+          <p:nvPr/>
+        </p:nvCxnSpPr>
+        <p:spPr>
+          <a:xfrm>
+            <a:off x="1066800" y="5105400"/>
+            <a:ext cx="0" cy="1097280"/>
+          </a:xfrm>
+          <a:prstGeom prst="line">
+            <a:avLst/>
+          </a:prstGeom>
+          <a:ln>
+            <a:solidFill>
+              <a:srgbClr val="FF0000"/>
+            </a:solidFill>
+          </a:ln>
+        </p:spPr>
+        <p:style>
+          <a:lnRef idx="3">
+            <a:schemeClr val="accent2"/>
+          </a:lnRef>
+          <a:fillRef idx="0">
+            <a:schemeClr val="accent2"/>
+          </a:fillRef>
+          <a:effectRef idx="2">
+            <a:schemeClr val="accent2"/>
+          </a:effectRef>
+          <a:fontRef idx="minor">
+            <a:schemeClr val="tx1"/>
+          </a:fontRef>
+        </p:style>
+      </p:cxnSp>
+      <p:cxnSp>
+        <p:nvCxnSpPr>
+          <p:cNvPr id="43" name="Straight Connector 42">
+            <a:extLst>
+              <a:ext uri="{FF2B5EF4-FFF2-40B4-BE49-F238E27FC236}">
+                <a16:creationId xmlns:a16="http://schemas.microsoft.com/office/drawing/2014/main" id="{6B8D905A-2293-4219-B80B-1B3B41EF285E}"/>
+              </a:ext>
+            </a:extLst>
+          </p:cNvPr>
+          <p:cNvCxnSpPr>
+            <a:cxnSpLocks/>
+          </p:cNvCxnSpPr>
+          <p:nvPr/>
+        </p:nvCxnSpPr>
+        <p:spPr>
+          <a:xfrm>
+            <a:off x="1083392" y="6185535"/>
+            <a:ext cx="1488777" cy="0"/>
+          </a:xfrm>
+          <a:prstGeom prst="line">
+            <a:avLst/>
+          </a:prstGeom>
+          <a:ln>
+            <a:solidFill>
+              <a:srgbClr val="FF0000"/>
+            </a:solidFill>
+          </a:ln>
+        </p:spPr>
+        <p:style>
+          <a:lnRef idx="3">
+            <a:schemeClr val="accent2"/>
+          </a:lnRef>
+          <a:fillRef idx="0">
+            <a:schemeClr val="accent2"/>
+          </a:fillRef>
+          <a:effectRef idx="2">
+            <a:schemeClr val="accent2"/>
+          </a:effectRef>
+          <a:fontRef idx="minor">
+            <a:schemeClr val="tx1"/>
+          </a:fontRef>
+        </p:style>
+      </p:cxnSp>
+      <p:cxnSp>
+        <p:nvCxnSpPr>
+          <p:cNvPr id="44" name="Straight Connector 43">
+            <a:extLst>
+              <a:ext uri="{FF2B5EF4-FFF2-40B4-BE49-F238E27FC236}">
+                <a16:creationId xmlns:a16="http://schemas.microsoft.com/office/drawing/2014/main" id="{CBF87567-C150-4372-9F0A-ADF3D4A14430}"/>
+              </a:ext>
+            </a:extLst>
+          </p:cNvPr>
+          <p:cNvCxnSpPr>
+            <a:cxnSpLocks/>
+          </p:cNvCxnSpPr>
+          <p:nvPr/>
+        </p:nvCxnSpPr>
+        <p:spPr>
+          <a:xfrm>
+            <a:off x="6896100" y="4558625"/>
+            <a:ext cx="0" cy="1381165"/>
+          </a:xfrm>
+          <a:prstGeom prst="line">
+            <a:avLst/>
+          </a:prstGeom>
+          <a:ln>
+            <a:solidFill>
+              <a:srgbClr val="FF0000"/>
+            </a:solidFill>
+          </a:ln>
+        </p:spPr>
+        <p:style>
+          <a:lnRef idx="3">
+            <a:schemeClr val="accent2"/>
+          </a:lnRef>
+          <a:fillRef idx="0">
+            <a:schemeClr val="accent2"/>
+          </a:fillRef>
+          <a:effectRef idx="2">
+            <a:schemeClr val="accent2"/>
+          </a:effectRef>
+          <a:fontRef idx="minor">
+            <a:schemeClr val="tx1"/>
+          </a:fontRef>
+        </p:style>
+      </p:cxnSp>
+      <p:cxnSp>
+        <p:nvCxnSpPr>
+          <p:cNvPr id="45" name="Straight Connector 44">
+            <a:extLst>
+              <a:ext uri="{FF2B5EF4-FFF2-40B4-BE49-F238E27FC236}">
+                <a16:creationId xmlns:a16="http://schemas.microsoft.com/office/drawing/2014/main" id="{6ACA6A06-F0B0-4241-949B-85E63622D968}"/>
+              </a:ext>
+            </a:extLst>
+          </p:cNvPr>
+          <p:cNvCxnSpPr>
+            <a:cxnSpLocks/>
+          </p:cNvCxnSpPr>
+          <p:nvPr/>
+        </p:nvCxnSpPr>
+        <p:spPr>
+          <a:xfrm flipH="1">
+            <a:off x="2552700" y="5436867"/>
+            <a:ext cx="3238499" cy="0"/>
+          </a:xfrm>
+          <a:prstGeom prst="line">
+            <a:avLst/>
+          </a:prstGeom>
+          <a:ln>
+            <a:solidFill>
+              <a:srgbClr val="FF0000"/>
+            </a:solidFill>
+          </a:ln>
+        </p:spPr>
+        <p:style>
+          <a:lnRef idx="3">
+            <a:schemeClr val="accent2"/>
+          </a:lnRef>
+          <a:fillRef idx="0">
+            <a:schemeClr val="accent2"/>
+          </a:fillRef>
+          <a:effectRef idx="2">
+            <a:schemeClr val="accent2"/>
+          </a:effectRef>
+          <a:fontRef idx="minor">
+            <a:schemeClr val="tx1"/>
+          </a:fontRef>
+        </p:style>
+      </p:cxnSp>
+      <p:sp>
+        <p:nvSpPr>
+          <p:cNvPr id="46" name="TextBox 45">
+            <a:extLst>
+              <a:ext uri="{FF2B5EF4-FFF2-40B4-BE49-F238E27FC236}">
+                <a16:creationId xmlns:a16="http://schemas.microsoft.com/office/drawing/2014/main" id="{BF2082E3-7C1D-489B-B93F-F5AC4E45BFCA}"/>
+              </a:ext>
+            </a:extLst>
+          </p:cNvPr>
+          <p:cNvSpPr txBox="1"/>
+          <p:nvPr/>
+        </p:nvSpPr>
+        <p:spPr>
+          <a:xfrm>
+            <a:off x="1590986" y="6266438"/>
+            <a:ext cx="575799" cy="307777"/>
+          </a:xfrm>
+          <a:prstGeom prst="rect">
+            <a:avLst/>
+          </a:prstGeom>
+          <a:noFill/>
+        </p:spPr>
+        <p:txBody>
+          <a:bodyPr wrap="none" rtlCol="0">
+            <a:spAutoFit/>
+          </a:bodyPr>
+          <a:lstStyle/>
+          <a:p>
+            <a:r>
+              <a:rPr lang="en-US" sz="1400" b="1" dirty="0">
+                <a:solidFill>
+                  <a:srgbClr val="FF0000"/>
+                </a:solidFill>
+              </a:rPr>
+              <a:t>-6 kN</a:t>
+            </a:r>
+            <a:endParaRPr lang="en-US" b="1" dirty="0">
+              <a:solidFill>
+                <a:srgbClr val="FF0000"/>
+              </a:solidFill>
+            </a:endParaRPr>
+          </a:p>
+        </p:txBody>
+      </p:sp>
+      <p:cxnSp>
+        <p:nvCxnSpPr>
+          <p:cNvPr id="51" name="Straight Arrow Connector 50">
+            <a:extLst>
+              <a:ext uri="{FF2B5EF4-FFF2-40B4-BE49-F238E27FC236}">
+                <a16:creationId xmlns:a16="http://schemas.microsoft.com/office/drawing/2014/main" id="{DEED3CA7-F56B-4A74-8E46-EB4750A58AAA}"/>
+              </a:ext>
+            </a:extLst>
+          </p:cNvPr>
+          <p:cNvCxnSpPr>
+            <a:cxnSpLocks/>
+          </p:cNvCxnSpPr>
+          <p:nvPr/>
+        </p:nvCxnSpPr>
+        <p:spPr>
+          <a:xfrm flipV="1">
+            <a:off x="2552910" y="2861246"/>
+            <a:ext cx="0" cy="586071"/>
+          </a:xfrm>
+          <a:prstGeom prst="straightConnector1">
+            <a:avLst/>
+          </a:prstGeom>
+          <a:ln>
+            <a:solidFill>
+              <a:srgbClr val="FF0000"/>
+            </a:solidFill>
+            <a:tailEnd type="arrow"/>
+          </a:ln>
+        </p:spPr>
+        <p:style>
+          <a:lnRef idx="2">
+            <a:schemeClr val="accent2"/>
+          </a:lnRef>
+          <a:fillRef idx="0">
+            <a:schemeClr val="accent2"/>
+          </a:fillRef>
+          <a:effectRef idx="1">
+            <a:schemeClr val="accent2"/>
+          </a:effectRef>
+          <a:fontRef idx="minor">
+            <a:schemeClr val="tx1"/>
+          </a:fontRef>
+        </p:style>
+      </p:cxnSp>
+      <p:cxnSp>
+        <p:nvCxnSpPr>
+          <p:cNvPr id="53" name="Straight Arrow Connector 52">
+            <a:extLst>
+              <a:ext uri="{FF2B5EF4-FFF2-40B4-BE49-F238E27FC236}">
+                <a16:creationId xmlns:a16="http://schemas.microsoft.com/office/drawing/2014/main" id="{E4093E14-B3C3-4865-B0CE-8A68F137196F}"/>
+              </a:ext>
+            </a:extLst>
+          </p:cNvPr>
+          <p:cNvCxnSpPr>
+            <a:cxnSpLocks/>
+          </p:cNvCxnSpPr>
+          <p:nvPr/>
+        </p:nvCxnSpPr>
+        <p:spPr>
+          <a:xfrm flipV="1">
+            <a:off x="6896100" y="2851722"/>
+            <a:ext cx="0" cy="958278"/>
+          </a:xfrm>
+          <a:prstGeom prst="straightConnector1">
+            <a:avLst/>
+          </a:prstGeom>
+          <a:ln>
+            <a:solidFill>
+              <a:srgbClr val="FF0000"/>
+            </a:solidFill>
+            <a:tailEnd type="arrow"/>
+          </a:ln>
+        </p:spPr>
+        <p:style>
+          <a:lnRef idx="2">
+            <a:schemeClr val="accent2"/>
+          </a:lnRef>
+          <a:fillRef idx="0">
+            <a:schemeClr val="accent2"/>
+          </a:fillRef>
+          <a:effectRef idx="1">
+            <a:schemeClr val="accent2"/>
+          </a:effectRef>
+          <a:fontRef idx="minor">
+            <a:schemeClr val="tx1"/>
+          </a:fontRef>
+        </p:style>
+      </p:cxnSp>
+      <p:sp>
+        <p:nvSpPr>
+          <p:cNvPr id="55" name="TextBox 54">
+            <a:extLst>
+              <a:ext uri="{FF2B5EF4-FFF2-40B4-BE49-F238E27FC236}">
+                <a16:creationId xmlns:a16="http://schemas.microsoft.com/office/drawing/2014/main" id="{1C750B68-CA7E-4E9C-9733-47A0D35FE388}"/>
+              </a:ext>
+            </a:extLst>
+          </p:cNvPr>
+          <p:cNvSpPr txBox="1"/>
+          <p:nvPr/>
+        </p:nvSpPr>
+        <p:spPr>
+          <a:xfrm>
+            <a:off x="2166785" y="3753063"/>
+            <a:ext cx="795700" cy="369332"/>
+          </a:xfrm>
+          <a:prstGeom prst="rect">
+            <a:avLst/>
+          </a:prstGeom>
+          <a:noFill/>
+        </p:spPr>
+        <p:txBody>
+          <a:bodyPr wrap="square" rtlCol="0">
+            <a:spAutoFit/>
+          </a:bodyPr>
+          <a:lstStyle/>
+          <a:p>
+            <a:r>
+              <a:rPr lang="en-US" dirty="0">
+                <a:solidFill>
+                  <a:srgbClr val="FF0000"/>
+                </a:solidFill>
+              </a:rPr>
+              <a:t>4.2 kN</a:t>
+            </a:r>
+          </a:p>
+        </p:txBody>
+      </p:sp>
+      <p:sp>
+        <p:nvSpPr>
+          <p:cNvPr id="56" name="TextBox 55">
+            <a:extLst>
+              <a:ext uri="{FF2B5EF4-FFF2-40B4-BE49-F238E27FC236}">
+                <a16:creationId xmlns:a16="http://schemas.microsoft.com/office/drawing/2014/main" id="{7EA49C50-E838-4C57-8700-C548B046AB89}"/>
+              </a:ext>
+            </a:extLst>
+          </p:cNvPr>
+          <p:cNvSpPr txBox="1"/>
+          <p:nvPr/>
+        </p:nvSpPr>
+        <p:spPr>
+          <a:xfrm>
+            <a:off x="6579365" y="3856096"/>
+            <a:ext cx="795700" cy="369332"/>
+          </a:xfrm>
+          <a:prstGeom prst="rect">
+            <a:avLst/>
+          </a:prstGeom>
+          <a:noFill/>
+        </p:spPr>
+        <p:txBody>
+          <a:bodyPr wrap="square" rtlCol="0">
+            <a:spAutoFit/>
+          </a:bodyPr>
+          <a:lstStyle/>
+          <a:p>
+            <a:r>
+              <a:rPr lang="en-US" dirty="0">
+                <a:solidFill>
+                  <a:srgbClr val="FF0000"/>
+                </a:solidFill>
+              </a:rPr>
+              <a:t>7.8 kN</a:t>
+            </a:r>
+          </a:p>
+        </p:txBody>
+      </p:sp>
+      <p:cxnSp>
+        <p:nvCxnSpPr>
+          <p:cNvPr id="58" name="Straight Connector 57">
+            <a:extLst>
+              <a:ext uri="{FF2B5EF4-FFF2-40B4-BE49-F238E27FC236}">
+                <a16:creationId xmlns:a16="http://schemas.microsoft.com/office/drawing/2014/main" id="{E362F636-83B9-47E7-91A4-C3CDCB849289}"/>
+              </a:ext>
+            </a:extLst>
+          </p:cNvPr>
+          <p:cNvCxnSpPr>
+            <a:cxnSpLocks/>
+          </p:cNvCxnSpPr>
+          <p:nvPr/>
+        </p:nvCxnSpPr>
+        <p:spPr>
+          <a:xfrm>
+            <a:off x="2562435" y="5423154"/>
+            <a:ext cx="0" cy="768096"/>
+          </a:xfrm>
+          <a:prstGeom prst="line">
+            <a:avLst/>
+          </a:prstGeom>
+          <a:ln>
+            <a:solidFill>
+              <a:srgbClr val="FF0000"/>
+            </a:solidFill>
+          </a:ln>
+        </p:spPr>
+        <p:style>
+          <a:lnRef idx="3">
+            <a:schemeClr val="accent2"/>
+          </a:lnRef>
+          <a:fillRef idx="0">
+            <a:schemeClr val="accent2"/>
+          </a:fillRef>
+          <a:effectRef idx="2">
+            <a:schemeClr val="accent2"/>
+          </a:effectRef>
+          <a:fontRef idx="minor">
+            <a:schemeClr val="tx1"/>
+          </a:fontRef>
+        </p:style>
+      </p:cxnSp>
+      <p:sp>
+        <p:nvSpPr>
+          <p:cNvPr id="63" name="TextBox 62">
+            <a:extLst>
+              <a:ext uri="{FF2B5EF4-FFF2-40B4-BE49-F238E27FC236}">
+                <a16:creationId xmlns:a16="http://schemas.microsoft.com/office/drawing/2014/main" id="{118D950F-CAAF-4580-A8DA-3E85521B6B31}"/>
+              </a:ext>
+            </a:extLst>
+          </p:cNvPr>
+          <p:cNvSpPr txBox="1"/>
+          <p:nvPr/>
+        </p:nvSpPr>
+        <p:spPr>
+          <a:xfrm>
+            <a:off x="3895515" y="5489132"/>
+            <a:ext cx="715260" cy="307777"/>
+          </a:xfrm>
+          <a:prstGeom prst="rect">
+            <a:avLst/>
+          </a:prstGeom>
+          <a:noFill/>
+        </p:spPr>
+        <p:txBody>
+          <a:bodyPr wrap="none" rtlCol="0">
+            <a:spAutoFit/>
+          </a:bodyPr>
+          <a:lstStyle/>
+          <a:p>
+            <a:r>
+              <a:rPr lang="en-US" sz="1400" b="1" dirty="0">
+                <a:solidFill>
+                  <a:srgbClr val="FF0000"/>
+                </a:solidFill>
+              </a:rPr>
+              <a:t>-1.8 kN</a:t>
+            </a:r>
+            <a:endParaRPr lang="en-US" b="1" dirty="0">
+              <a:solidFill>
+                <a:srgbClr val="FF0000"/>
+              </a:solidFill>
+            </a:endParaRPr>
+          </a:p>
+        </p:txBody>
+      </p:sp>
+      <p:cxnSp>
+        <p:nvCxnSpPr>
+          <p:cNvPr id="65" name="Straight Connector 64">
+            <a:extLst>
+              <a:ext uri="{FF2B5EF4-FFF2-40B4-BE49-F238E27FC236}">
+                <a16:creationId xmlns:a16="http://schemas.microsoft.com/office/drawing/2014/main" id="{D15E330F-B074-4A92-B4AF-9A243F0610B8}"/>
+              </a:ext>
+            </a:extLst>
+          </p:cNvPr>
+          <p:cNvCxnSpPr>
+            <a:cxnSpLocks/>
+          </p:cNvCxnSpPr>
+          <p:nvPr/>
+        </p:nvCxnSpPr>
+        <p:spPr>
+          <a:xfrm>
+            <a:off x="5781674" y="5443341"/>
+            <a:ext cx="1114426" cy="507689"/>
+          </a:xfrm>
+          <a:prstGeom prst="line">
+            <a:avLst/>
+          </a:prstGeom>
+          <a:ln>
+            <a:solidFill>
+              <a:srgbClr val="FF0000"/>
+            </a:solidFill>
+          </a:ln>
+        </p:spPr>
+        <p:style>
+          <a:lnRef idx="3">
+            <a:schemeClr val="accent2"/>
+          </a:lnRef>
+          <a:fillRef idx="0">
+            <a:schemeClr val="accent2"/>
+          </a:fillRef>
+          <a:effectRef idx="2">
+            <a:schemeClr val="accent2"/>
+          </a:effectRef>
+          <a:fontRef idx="minor">
+            <a:schemeClr val="tx1"/>
+          </a:fontRef>
+        </p:style>
+      </p:cxnSp>
+      <p:cxnSp>
+        <p:nvCxnSpPr>
+          <p:cNvPr id="70" name="Straight Connector 69">
+            <a:extLst>
+              <a:ext uri="{FF2B5EF4-FFF2-40B4-BE49-F238E27FC236}">
+                <a16:creationId xmlns:a16="http://schemas.microsoft.com/office/drawing/2014/main" id="{7061D0ED-A48B-4706-96C0-3661BCC60F40}"/>
+              </a:ext>
+            </a:extLst>
+          </p:cNvPr>
+          <p:cNvCxnSpPr>
+            <a:cxnSpLocks/>
+          </p:cNvCxnSpPr>
+          <p:nvPr/>
+        </p:nvCxnSpPr>
+        <p:spPr>
+          <a:xfrm>
+            <a:off x="6905627" y="4573458"/>
+            <a:ext cx="1114426" cy="507689"/>
+          </a:xfrm>
+          <a:prstGeom prst="line">
+            <a:avLst/>
+          </a:prstGeom>
+          <a:ln>
+            <a:solidFill>
+              <a:srgbClr val="FF0000"/>
+            </a:solidFill>
+          </a:ln>
+        </p:spPr>
+        <p:style>
+          <a:lnRef idx="3">
+            <a:schemeClr val="accent2"/>
+          </a:lnRef>
+          <a:fillRef idx="0">
+            <a:schemeClr val="accent2"/>
+          </a:fillRef>
+          <a:effectRef idx="2">
+            <a:schemeClr val="accent2"/>
+          </a:effectRef>
+          <a:fontRef idx="minor">
+            <a:schemeClr val="tx1"/>
+          </a:fontRef>
+        </p:style>
+      </p:cxnSp>
+      <p:sp>
+        <p:nvSpPr>
+          <p:cNvPr id="71" name="TextBox 70">
+            <a:extLst>
+              <a:ext uri="{FF2B5EF4-FFF2-40B4-BE49-F238E27FC236}">
+                <a16:creationId xmlns:a16="http://schemas.microsoft.com/office/drawing/2014/main" id="{F7183560-85E8-4710-BAD2-EBA3F9AF2B2B}"/>
+              </a:ext>
+            </a:extLst>
+          </p:cNvPr>
+          <p:cNvSpPr txBox="1"/>
+          <p:nvPr/>
+        </p:nvSpPr>
+        <p:spPr>
+          <a:xfrm>
+            <a:off x="6579365" y="6015367"/>
+            <a:ext cx="715260" cy="307777"/>
+          </a:xfrm>
+          <a:prstGeom prst="rect">
+            <a:avLst/>
+          </a:prstGeom>
+          <a:noFill/>
+        </p:spPr>
+        <p:txBody>
+          <a:bodyPr wrap="square" rtlCol="0">
+            <a:spAutoFit/>
+          </a:bodyPr>
+          <a:lstStyle/>
+          <a:p>
+            <a:r>
+              <a:rPr lang="en-US" sz="1400" b="1" dirty="0">
+                <a:solidFill>
+                  <a:srgbClr val="FF0000"/>
+                </a:solidFill>
+              </a:rPr>
+              <a:t>-4.8 kN</a:t>
+            </a:r>
+            <a:endParaRPr lang="en-US" b="1" dirty="0">
+              <a:solidFill>
+                <a:srgbClr val="FF0000"/>
+              </a:solidFill>
+            </a:endParaRPr>
+          </a:p>
+        </p:txBody>
+      </p:sp>
+      <p:sp>
+        <p:nvSpPr>
+          <p:cNvPr id="72" name="TextBox 71">
+            <a:extLst>
+              <a:ext uri="{FF2B5EF4-FFF2-40B4-BE49-F238E27FC236}">
+                <a16:creationId xmlns:a16="http://schemas.microsoft.com/office/drawing/2014/main" id="{976F8825-24F1-4E9B-9C74-A6D0B795CB53}"/>
+              </a:ext>
+            </a:extLst>
+          </p:cNvPr>
+          <p:cNvSpPr txBox="1"/>
+          <p:nvPr/>
+        </p:nvSpPr>
+        <p:spPr>
+          <a:xfrm>
+            <a:off x="6624196" y="4281194"/>
+            <a:ext cx="715260" cy="307777"/>
+          </a:xfrm>
+          <a:prstGeom prst="rect">
+            <a:avLst/>
+          </a:prstGeom>
+          <a:noFill/>
+        </p:spPr>
+        <p:txBody>
+          <a:bodyPr wrap="square" rtlCol="0">
+            <a:spAutoFit/>
+          </a:bodyPr>
+          <a:lstStyle/>
+          <a:p>
+            <a:r>
+              <a:rPr lang="en-US" sz="1400" b="1" dirty="0">
+                <a:solidFill>
+                  <a:srgbClr val="FF0000"/>
+                </a:solidFill>
+              </a:rPr>
+              <a:t>3 kN</a:t>
+            </a:r>
+            <a:endParaRPr lang="en-US" b="1" dirty="0">
+              <a:solidFill>
+                <a:srgbClr val="FF0000"/>
+              </a:solidFill>
+            </a:endParaRPr>
+          </a:p>
+        </p:txBody>
+      </p:sp>
+    </p:spTree>
+    <p:extLst>
+      <p:ext uri="{BB962C8B-B14F-4D97-AF65-F5344CB8AC3E}">
+        <p14:creationId xmlns:p14="http://schemas.microsoft.com/office/powerpoint/2010/main" val="133347086"/>
+      </p:ext>
+    </p:extLst>
+  </p:cSld>
+  <p:clrMapOvr>
+    <a:masterClrMapping/>
+  </p:clrMapOvr>
+  <p:timing>
+    <p:tnLst>
+      <p:par>
+        <p:cTn id="1" dur="indefinite" restart="never" nodeType="tmRoot">
+          <p:childTnLst>
+            <p:seq concurrent="1" nextAc="seek">
+              <p:cTn id="2" dur="indefinite" nodeType="mainSeq">
+                <p:childTnLst>
+                  <p:par>
+                    <p:cTn id="3" fill="hold">
+                      <p:stCondLst>
+                        <p:cond delay="indefinite"/>
+                      </p:stCondLst>
+                      <p:childTnLst>
+                        <p:par>
+                          <p:cTn id="4" fill="hold">
+                            <p:stCondLst>
+                              <p:cond delay="0"/>
+                            </p:stCondLst>
+                            <p:childTnLst>
+                              <p:par>
+                                <p:cTn id="5" presetID="10" presetClass="exit" presetSubtype="0" fill="hold" grpId="0" nodeType="clickEffect">
+                                  <p:stCondLst>
+                                    <p:cond delay="0"/>
+                                  </p:stCondLst>
+                                  <p:childTnLst>
+                                    <p:animEffect transition="out" filter="fade">
+                                      <p:cBhvr>
+                                        <p:cTn id="6" dur="500"/>
+                                        <p:tgtEl>
+                                          <p:spTgt spid="9"/>
+                                        </p:tgtEl>
+                                      </p:cBhvr>
+                                    </p:animEffect>
+                                    <p:set>
+                                      <p:cBhvr>
+                                        <p:cTn id="7" dur="1" fill="hold">
+                                          <p:stCondLst>
+                                            <p:cond delay="499"/>
+                                          </p:stCondLst>
+                                        </p:cTn>
+                                        <p:tgtEl>
+                                          <p:spTgt spid="9"/>
+                                        </p:tgtEl>
+                                        <p:attrNameLst>
+                                          <p:attrName>style.visibility</p:attrName>
+                                        </p:attrNameLst>
+                                      </p:cBhvr>
+                                      <p:to>
+                                        <p:strVal val="hidden"/>
+                                      </p:to>
+                                    </p:set>
+                                  </p:childTnLst>
+                                </p:cTn>
+                              </p:par>
+                              <p:par>
+                                <p:cTn id="8" presetID="10" presetClass="exit" presetSubtype="0" fill="hold" grpId="0" nodeType="withEffect">
+                                  <p:stCondLst>
+                                    <p:cond delay="0"/>
+                                  </p:stCondLst>
+                                  <p:childTnLst>
+                                    <p:animEffect transition="out" filter="fade">
+                                      <p:cBhvr>
+                                        <p:cTn id="9" dur="500"/>
+                                        <p:tgtEl>
+                                          <p:spTgt spid="12"/>
+                                        </p:tgtEl>
+                                      </p:cBhvr>
+                                    </p:animEffect>
+                                    <p:set>
+                                      <p:cBhvr>
+                                        <p:cTn id="10" dur="1" fill="hold">
+                                          <p:stCondLst>
+                                            <p:cond delay="499"/>
+                                          </p:stCondLst>
+                                        </p:cTn>
+                                        <p:tgtEl>
+                                          <p:spTgt spid="12"/>
+                                        </p:tgtEl>
+                                        <p:attrNameLst>
+                                          <p:attrName>style.visibility</p:attrName>
+                                        </p:attrNameLst>
+                                      </p:cBhvr>
+                                      <p:to>
+                                        <p:strVal val="hidden"/>
+                                      </p:to>
+                                    </p:set>
+                                  </p:childTnLst>
+                                </p:cTn>
+                              </p:par>
+                              <p:par>
+                                <p:cTn id="11" presetID="10" presetClass="exit" presetSubtype="0" fill="hold" grpId="0" nodeType="withEffect">
+                                  <p:stCondLst>
+                                    <p:cond delay="0"/>
+                                  </p:stCondLst>
+                                  <p:childTnLst>
+                                    <p:animEffect transition="out" filter="fade">
+                                      <p:cBhvr>
+                                        <p:cTn id="12" dur="500"/>
+                                        <p:tgtEl>
+                                          <p:spTgt spid="11"/>
+                                        </p:tgtEl>
+                                      </p:cBhvr>
+                                    </p:animEffect>
+                                    <p:set>
+                                      <p:cBhvr>
+                                        <p:cTn id="13" dur="1" fill="hold">
+                                          <p:stCondLst>
+                                            <p:cond delay="499"/>
+                                          </p:stCondLst>
+                                        </p:cTn>
+                                        <p:tgtEl>
+                                          <p:spTgt spid="11"/>
+                                        </p:tgtEl>
+                                        <p:attrNameLst>
+                                          <p:attrName>style.visibility</p:attrName>
+                                        </p:attrNameLst>
+                                      </p:cBhvr>
+                                      <p:to>
+                                        <p:strVal val="hidden"/>
+                                      </p:to>
+                                    </p:set>
+                                  </p:childTnLst>
+                                </p:cTn>
+                              </p:par>
+                            </p:childTnLst>
+                          </p:cTn>
+                        </p:par>
+                      </p:childTnLst>
+                    </p:cTn>
+                  </p:par>
+                  <p:par>
+                    <p:cTn id="14" fill="hold">
+                      <p:stCondLst>
+                        <p:cond delay="indefinite"/>
+                      </p:stCondLst>
+                      <p:childTnLst>
+                        <p:par>
+                          <p:cTn id="15" fill="hold">
+                            <p:stCondLst>
+                              <p:cond delay="0"/>
+                            </p:stCondLst>
+                            <p:childTnLst>
+                              <p:par>
+                                <p:cTn id="16" presetID="10" presetClass="entr" presetSubtype="0" fill="hold" nodeType="clickEffect">
+                                  <p:stCondLst>
+                                    <p:cond delay="0"/>
+                                  </p:stCondLst>
+                                  <p:childTnLst>
+                                    <p:set>
+                                      <p:cBhvr>
+                                        <p:cTn id="17" dur="1" fill="hold">
+                                          <p:stCondLst>
+                                            <p:cond delay="0"/>
+                                          </p:stCondLst>
+                                        </p:cTn>
+                                        <p:tgtEl>
+                                          <p:spTgt spid="51"/>
+                                        </p:tgtEl>
+                                        <p:attrNameLst>
+                                          <p:attrName>style.visibility</p:attrName>
+                                        </p:attrNameLst>
+                                      </p:cBhvr>
+                                      <p:to>
+                                        <p:strVal val="visible"/>
+                                      </p:to>
+                                    </p:set>
+                                    <p:animEffect transition="in" filter="fade">
+                                      <p:cBhvr>
+                                        <p:cTn id="18" dur="500"/>
+                                        <p:tgtEl>
+                                          <p:spTgt spid="51"/>
+                                        </p:tgtEl>
+                                      </p:cBhvr>
+                                    </p:animEffect>
+                                  </p:childTnLst>
+                                </p:cTn>
+                              </p:par>
+                              <p:par>
+                                <p:cTn id="19" presetID="10" presetClass="entr" presetSubtype="0" fill="hold" grpId="0" nodeType="withEffect">
+                                  <p:stCondLst>
+                                    <p:cond delay="0"/>
+                                  </p:stCondLst>
+                                  <p:childTnLst>
+                                    <p:set>
+                                      <p:cBhvr>
+                                        <p:cTn id="20" dur="1" fill="hold">
+                                          <p:stCondLst>
+                                            <p:cond delay="0"/>
+                                          </p:stCondLst>
+                                        </p:cTn>
+                                        <p:tgtEl>
+                                          <p:spTgt spid="55"/>
+                                        </p:tgtEl>
+                                        <p:attrNameLst>
+                                          <p:attrName>style.visibility</p:attrName>
+                                        </p:attrNameLst>
+                                      </p:cBhvr>
+                                      <p:to>
+                                        <p:strVal val="visible"/>
+                                      </p:to>
+                                    </p:set>
+                                    <p:animEffect transition="in" filter="fade">
+                                      <p:cBhvr>
+                                        <p:cTn id="21" dur="500"/>
+                                        <p:tgtEl>
+                                          <p:spTgt spid="55"/>
+                                        </p:tgtEl>
+                                      </p:cBhvr>
+                                    </p:animEffect>
+                                  </p:childTnLst>
+                                </p:cTn>
+                              </p:par>
+                              <p:par>
+                                <p:cTn id="22" presetID="10" presetClass="entr" presetSubtype="0" fill="hold" nodeType="withEffect">
+                                  <p:stCondLst>
+                                    <p:cond delay="0"/>
+                                  </p:stCondLst>
+                                  <p:childTnLst>
+                                    <p:set>
+                                      <p:cBhvr>
+                                        <p:cTn id="23" dur="1" fill="hold">
+                                          <p:stCondLst>
+                                            <p:cond delay="0"/>
+                                          </p:stCondLst>
+                                        </p:cTn>
+                                        <p:tgtEl>
+                                          <p:spTgt spid="53"/>
+                                        </p:tgtEl>
+                                        <p:attrNameLst>
+                                          <p:attrName>style.visibility</p:attrName>
+                                        </p:attrNameLst>
+                                      </p:cBhvr>
+                                      <p:to>
+                                        <p:strVal val="visible"/>
+                                      </p:to>
+                                    </p:set>
+                                    <p:animEffect transition="in" filter="fade">
+                                      <p:cBhvr>
+                                        <p:cTn id="24" dur="500"/>
+                                        <p:tgtEl>
+                                          <p:spTgt spid="53"/>
+                                        </p:tgtEl>
+                                      </p:cBhvr>
+                                    </p:animEffect>
+                                  </p:childTnLst>
+                                </p:cTn>
+                              </p:par>
+                              <p:par>
+                                <p:cTn id="25" presetID="10" presetClass="entr" presetSubtype="0" fill="hold" grpId="0" nodeType="withEffect">
+                                  <p:stCondLst>
+                                    <p:cond delay="0"/>
+                                  </p:stCondLst>
+                                  <p:childTnLst>
+                                    <p:set>
+                                      <p:cBhvr>
+                                        <p:cTn id="26" dur="1" fill="hold">
+                                          <p:stCondLst>
+                                            <p:cond delay="0"/>
+                                          </p:stCondLst>
+                                        </p:cTn>
+                                        <p:tgtEl>
+                                          <p:spTgt spid="56"/>
+                                        </p:tgtEl>
+                                        <p:attrNameLst>
+                                          <p:attrName>style.visibility</p:attrName>
+                                        </p:attrNameLst>
+                                      </p:cBhvr>
+                                      <p:to>
+                                        <p:strVal val="visible"/>
+                                      </p:to>
+                                    </p:set>
+                                    <p:animEffect transition="in" filter="fade">
+                                      <p:cBhvr>
+                                        <p:cTn id="27" dur="500"/>
+                                        <p:tgtEl>
+                                          <p:spTgt spid="56"/>
+                                        </p:tgtEl>
+                                      </p:cBhvr>
+                                    </p:animEffect>
+                                  </p:childTnLst>
+                                </p:cTn>
+                              </p:par>
+                            </p:childTnLst>
+                          </p:cTn>
+                        </p:par>
+                      </p:childTnLst>
+                    </p:cTn>
+                  </p:par>
+                  <p:par>
+                    <p:cTn id="28" fill="hold">
+                      <p:stCondLst>
+                        <p:cond delay="indefinite"/>
+                      </p:stCondLst>
+                      <p:childTnLst>
+                        <p:par>
+                          <p:cTn id="29" fill="hold">
+                            <p:stCondLst>
+                              <p:cond delay="0"/>
+                            </p:stCondLst>
+                            <p:childTnLst>
+                              <p:par>
+                                <p:cTn id="30" presetID="10" presetClass="entr" presetSubtype="0" fill="hold" nodeType="clickEffect">
+                                  <p:stCondLst>
+                                    <p:cond delay="0"/>
+                                  </p:stCondLst>
+                                  <p:childTnLst>
+                                    <p:set>
+                                      <p:cBhvr>
+                                        <p:cTn id="31" dur="1" fill="hold">
+                                          <p:stCondLst>
+                                            <p:cond delay="0"/>
+                                          </p:stCondLst>
+                                        </p:cTn>
+                                        <p:tgtEl>
+                                          <p:spTgt spid="35"/>
+                                        </p:tgtEl>
+                                        <p:attrNameLst>
+                                          <p:attrName>style.visibility</p:attrName>
+                                        </p:attrNameLst>
+                                      </p:cBhvr>
+                                      <p:to>
+                                        <p:strVal val="visible"/>
+                                      </p:to>
+                                    </p:set>
+                                    <p:animEffect transition="in" filter="fade">
+                                      <p:cBhvr>
+                                        <p:cTn id="32" dur="500"/>
+                                        <p:tgtEl>
+                                          <p:spTgt spid="35"/>
+                                        </p:tgtEl>
+                                      </p:cBhvr>
+                                    </p:animEffect>
+                                  </p:childTnLst>
+                                </p:cTn>
+                              </p:par>
+                              <p:par>
+                                <p:cTn id="33" presetID="10" presetClass="entr" presetSubtype="0" fill="hold" grpId="0" nodeType="withEffect">
+                                  <p:stCondLst>
+                                    <p:cond delay="0"/>
+                                  </p:stCondLst>
+                                  <p:childTnLst>
+                                    <p:set>
+                                      <p:cBhvr>
+                                        <p:cTn id="34" dur="1" fill="hold">
+                                          <p:stCondLst>
+                                            <p:cond delay="0"/>
+                                          </p:stCondLst>
+                                        </p:cTn>
+                                        <p:tgtEl>
+                                          <p:spTgt spid="37"/>
+                                        </p:tgtEl>
+                                        <p:attrNameLst>
+                                          <p:attrName>style.visibility</p:attrName>
+                                        </p:attrNameLst>
+                                      </p:cBhvr>
+                                      <p:to>
+                                        <p:strVal val="visible"/>
+                                      </p:to>
+                                    </p:set>
+                                    <p:animEffect transition="in" filter="fade">
+                                      <p:cBhvr>
+                                        <p:cTn id="35" dur="500"/>
+                                        <p:tgtEl>
+                                          <p:spTgt spid="37"/>
+                                        </p:tgtEl>
+                                      </p:cBhvr>
+                                    </p:animEffect>
+                                  </p:childTnLst>
+                                </p:cTn>
+                              </p:par>
+                              <p:par>
+                                <p:cTn id="36" presetID="10" presetClass="entr" presetSubtype="0" fill="hold" nodeType="withEffect">
+                                  <p:stCondLst>
+                                    <p:cond delay="0"/>
+                                  </p:stCondLst>
+                                  <p:childTnLst>
+                                    <p:set>
+                                      <p:cBhvr>
+                                        <p:cTn id="37" dur="1" fill="hold">
+                                          <p:stCondLst>
+                                            <p:cond delay="0"/>
+                                          </p:stCondLst>
+                                        </p:cTn>
+                                        <p:tgtEl>
+                                          <p:spTgt spid="36"/>
+                                        </p:tgtEl>
+                                        <p:attrNameLst>
+                                          <p:attrName>style.visibility</p:attrName>
+                                        </p:attrNameLst>
+                                      </p:cBhvr>
+                                      <p:to>
+                                        <p:strVal val="visible"/>
+                                      </p:to>
+                                    </p:set>
+                                    <p:animEffect transition="in" filter="fade">
+                                      <p:cBhvr>
+                                        <p:cTn id="38" dur="500"/>
+                                        <p:tgtEl>
+                                          <p:spTgt spid="36"/>
+                                        </p:tgtEl>
+                                      </p:cBhvr>
+                                    </p:animEffect>
+                                  </p:childTnLst>
+                                </p:cTn>
+                              </p:par>
+                              <p:par>
+                                <p:cTn id="39" presetID="10" presetClass="entr" presetSubtype="0" fill="hold" grpId="0" nodeType="withEffect">
+                                  <p:stCondLst>
+                                    <p:cond delay="0"/>
+                                  </p:stCondLst>
+                                  <p:childTnLst>
+                                    <p:set>
+                                      <p:cBhvr>
+                                        <p:cTn id="40" dur="1" fill="hold">
+                                          <p:stCondLst>
+                                            <p:cond delay="0"/>
+                                          </p:stCondLst>
+                                        </p:cTn>
+                                        <p:tgtEl>
+                                          <p:spTgt spid="38"/>
+                                        </p:tgtEl>
+                                        <p:attrNameLst>
+                                          <p:attrName>style.visibility</p:attrName>
+                                        </p:attrNameLst>
+                                      </p:cBhvr>
+                                      <p:to>
+                                        <p:strVal val="visible"/>
+                                      </p:to>
+                                    </p:set>
+                                    <p:animEffect transition="in" filter="fade">
+                                      <p:cBhvr>
+                                        <p:cTn id="41" dur="500"/>
+                                        <p:tgtEl>
+                                          <p:spTgt spid="38"/>
+                                        </p:tgtEl>
+                                      </p:cBhvr>
+                                    </p:animEffect>
+                                  </p:childTnLst>
+                                </p:cTn>
+                              </p:par>
+                            </p:childTnLst>
+                          </p:cTn>
+                        </p:par>
+                      </p:childTnLst>
+                    </p:cTn>
+                  </p:par>
+                  <p:par>
+                    <p:cTn id="42" fill="hold">
+                      <p:stCondLst>
+                        <p:cond delay="indefinite"/>
+                      </p:stCondLst>
+                      <p:childTnLst>
+                        <p:par>
+                          <p:cTn id="43" fill="hold">
+                            <p:stCondLst>
+                              <p:cond delay="0"/>
+                            </p:stCondLst>
+                            <p:childTnLst>
+                              <p:par>
+                                <p:cTn id="44" presetID="10" presetClass="entr" presetSubtype="0" fill="hold" nodeType="clickEffect">
+                                  <p:stCondLst>
+                                    <p:cond delay="0"/>
+                                  </p:stCondLst>
+                                  <p:childTnLst>
+                                    <p:set>
+                                      <p:cBhvr>
+                                        <p:cTn id="45" dur="1" fill="hold">
+                                          <p:stCondLst>
+                                            <p:cond delay="0"/>
+                                          </p:stCondLst>
+                                        </p:cTn>
+                                        <p:tgtEl>
+                                          <p:spTgt spid="39"/>
+                                        </p:tgtEl>
+                                        <p:attrNameLst>
+                                          <p:attrName>style.visibility</p:attrName>
+                                        </p:attrNameLst>
+                                      </p:cBhvr>
+                                      <p:to>
+                                        <p:strVal val="visible"/>
+                                      </p:to>
+                                    </p:set>
+                                    <p:animEffect transition="in" filter="fade">
+                                      <p:cBhvr>
+                                        <p:cTn id="46" dur="500"/>
+                                        <p:tgtEl>
+                                          <p:spTgt spid="39"/>
+                                        </p:tgtEl>
+                                      </p:cBhvr>
+                                    </p:animEffect>
+                                  </p:childTnLst>
+                                </p:cTn>
+                              </p:par>
+                              <p:par>
+                                <p:cTn id="47" presetID="10" presetClass="entr" presetSubtype="0" fill="hold" nodeType="withEffect">
+                                  <p:stCondLst>
+                                    <p:cond delay="0"/>
+                                  </p:stCondLst>
+                                  <p:childTnLst>
+                                    <p:set>
+                                      <p:cBhvr>
+                                        <p:cTn id="48" dur="1" fill="hold">
+                                          <p:stCondLst>
+                                            <p:cond delay="0"/>
+                                          </p:stCondLst>
+                                        </p:cTn>
+                                        <p:tgtEl>
+                                          <p:spTgt spid="43"/>
+                                        </p:tgtEl>
+                                        <p:attrNameLst>
+                                          <p:attrName>style.visibility</p:attrName>
+                                        </p:attrNameLst>
+                                      </p:cBhvr>
+                                      <p:to>
+                                        <p:strVal val="visible"/>
+                                      </p:to>
+                                    </p:set>
+                                    <p:animEffect transition="in" filter="fade">
+                                      <p:cBhvr>
+                                        <p:cTn id="49" dur="500"/>
+                                        <p:tgtEl>
+                                          <p:spTgt spid="43"/>
+                                        </p:tgtEl>
+                                      </p:cBhvr>
+                                    </p:animEffect>
+                                  </p:childTnLst>
+                                </p:cTn>
+                              </p:par>
+                              <p:par>
+                                <p:cTn id="50" presetID="10" presetClass="entr" presetSubtype="0" fill="hold" grpId="0" nodeType="withEffect">
+                                  <p:stCondLst>
+                                    <p:cond delay="0"/>
+                                  </p:stCondLst>
+                                  <p:childTnLst>
+                                    <p:set>
+                                      <p:cBhvr>
+                                        <p:cTn id="51" dur="1" fill="hold">
+                                          <p:stCondLst>
+                                            <p:cond delay="0"/>
+                                          </p:stCondLst>
+                                        </p:cTn>
+                                        <p:tgtEl>
+                                          <p:spTgt spid="46"/>
+                                        </p:tgtEl>
+                                        <p:attrNameLst>
+                                          <p:attrName>style.visibility</p:attrName>
+                                        </p:attrNameLst>
+                                      </p:cBhvr>
+                                      <p:to>
+                                        <p:strVal val="visible"/>
+                                      </p:to>
+                                    </p:set>
+                                    <p:animEffect transition="in" filter="fade">
+                                      <p:cBhvr>
+                                        <p:cTn id="52" dur="500"/>
+                                        <p:tgtEl>
+                                          <p:spTgt spid="46"/>
+                                        </p:tgtEl>
+                                      </p:cBhvr>
+                                    </p:animEffect>
+                                  </p:childTnLst>
+                                </p:cTn>
+                              </p:par>
+                            </p:childTnLst>
+                          </p:cTn>
+                        </p:par>
+                      </p:childTnLst>
+                    </p:cTn>
+                  </p:par>
+                  <p:par>
+                    <p:cTn id="53" fill="hold">
+                      <p:stCondLst>
+                        <p:cond delay="indefinite"/>
+                      </p:stCondLst>
+                      <p:childTnLst>
+                        <p:par>
+                          <p:cTn id="54" fill="hold">
+                            <p:stCondLst>
+                              <p:cond delay="0"/>
+                            </p:stCondLst>
+                            <p:childTnLst>
+                              <p:par>
+                                <p:cTn id="55" presetID="10" presetClass="entr" presetSubtype="0" fill="hold" nodeType="clickEffect">
+                                  <p:stCondLst>
+                                    <p:cond delay="0"/>
+                                  </p:stCondLst>
+                                  <p:childTnLst>
+                                    <p:set>
+                                      <p:cBhvr>
+                                        <p:cTn id="56" dur="1" fill="hold">
+                                          <p:stCondLst>
+                                            <p:cond delay="0"/>
+                                          </p:stCondLst>
+                                        </p:cTn>
+                                        <p:tgtEl>
+                                          <p:spTgt spid="58"/>
+                                        </p:tgtEl>
+                                        <p:attrNameLst>
+                                          <p:attrName>style.visibility</p:attrName>
+                                        </p:attrNameLst>
+                                      </p:cBhvr>
+                                      <p:to>
+                                        <p:strVal val="visible"/>
+                                      </p:to>
+                                    </p:set>
+                                    <p:animEffect transition="in" filter="fade">
+                                      <p:cBhvr>
+                                        <p:cTn id="57" dur="500"/>
+                                        <p:tgtEl>
+                                          <p:spTgt spid="58"/>
+                                        </p:tgtEl>
+                                      </p:cBhvr>
+                                    </p:animEffect>
+                                  </p:childTnLst>
+                                </p:cTn>
+                              </p:par>
+                              <p:par>
+                                <p:cTn id="58" presetID="10" presetClass="entr" presetSubtype="0" fill="hold" nodeType="withEffect">
+                                  <p:stCondLst>
+                                    <p:cond delay="0"/>
+                                  </p:stCondLst>
+                                  <p:childTnLst>
+                                    <p:set>
+                                      <p:cBhvr>
+                                        <p:cTn id="59" dur="1" fill="hold">
+                                          <p:stCondLst>
+                                            <p:cond delay="0"/>
+                                          </p:stCondLst>
+                                        </p:cTn>
+                                        <p:tgtEl>
+                                          <p:spTgt spid="45"/>
+                                        </p:tgtEl>
+                                        <p:attrNameLst>
+                                          <p:attrName>style.visibility</p:attrName>
+                                        </p:attrNameLst>
+                                      </p:cBhvr>
+                                      <p:to>
+                                        <p:strVal val="visible"/>
+                                      </p:to>
+                                    </p:set>
+                                    <p:animEffect transition="in" filter="fade">
+                                      <p:cBhvr>
+                                        <p:cTn id="60" dur="500"/>
+                                        <p:tgtEl>
+                                          <p:spTgt spid="45"/>
+                                        </p:tgtEl>
+                                      </p:cBhvr>
+                                    </p:animEffect>
+                                  </p:childTnLst>
+                                </p:cTn>
+                              </p:par>
+                              <p:par>
+                                <p:cTn id="61" presetID="10" presetClass="entr" presetSubtype="0" fill="hold" grpId="0" nodeType="withEffect">
+                                  <p:stCondLst>
+                                    <p:cond delay="0"/>
+                                  </p:stCondLst>
+                                  <p:childTnLst>
+                                    <p:set>
+                                      <p:cBhvr>
+                                        <p:cTn id="62" dur="1" fill="hold">
+                                          <p:stCondLst>
+                                            <p:cond delay="0"/>
+                                          </p:stCondLst>
+                                        </p:cTn>
+                                        <p:tgtEl>
+                                          <p:spTgt spid="63"/>
+                                        </p:tgtEl>
+                                        <p:attrNameLst>
+                                          <p:attrName>style.visibility</p:attrName>
+                                        </p:attrNameLst>
+                                      </p:cBhvr>
+                                      <p:to>
+                                        <p:strVal val="visible"/>
+                                      </p:to>
+                                    </p:set>
+                                    <p:animEffect transition="in" filter="fade">
+                                      <p:cBhvr>
+                                        <p:cTn id="63" dur="500"/>
+                                        <p:tgtEl>
+                                          <p:spTgt spid="63"/>
+                                        </p:tgtEl>
+                                      </p:cBhvr>
+                                    </p:animEffect>
+                                  </p:childTnLst>
+                                </p:cTn>
+                              </p:par>
+                            </p:childTnLst>
+                          </p:cTn>
+                        </p:par>
+                      </p:childTnLst>
+                    </p:cTn>
+                  </p:par>
+                  <p:par>
+                    <p:cTn id="64" fill="hold">
+                      <p:stCondLst>
+                        <p:cond delay="indefinite"/>
+                      </p:stCondLst>
+                      <p:childTnLst>
+                        <p:par>
+                          <p:cTn id="65" fill="hold">
+                            <p:stCondLst>
+                              <p:cond delay="0"/>
+                            </p:stCondLst>
+                            <p:childTnLst>
+                              <p:par>
+                                <p:cTn id="66" presetID="10" presetClass="entr" presetSubtype="0" fill="hold" nodeType="clickEffect">
+                                  <p:stCondLst>
+                                    <p:cond delay="0"/>
+                                  </p:stCondLst>
+                                  <p:childTnLst>
+                                    <p:set>
+                                      <p:cBhvr>
+                                        <p:cTn id="67" dur="1" fill="hold">
+                                          <p:stCondLst>
+                                            <p:cond delay="0"/>
+                                          </p:stCondLst>
+                                        </p:cTn>
+                                        <p:tgtEl>
+                                          <p:spTgt spid="65"/>
+                                        </p:tgtEl>
+                                        <p:attrNameLst>
+                                          <p:attrName>style.visibility</p:attrName>
+                                        </p:attrNameLst>
+                                      </p:cBhvr>
+                                      <p:to>
+                                        <p:strVal val="visible"/>
+                                      </p:to>
+                                    </p:set>
+                                    <p:animEffect transition="in" filter="fade">
+                                      <p:cBhvr>
+                                        <p:cTn id="68" dur="500"/>
+                                        <p:tgtEl>
+                                          <p:spTgt spid="65"/>
+                                        </p:tgtEl>
+                                      </p:cBhvr>
+                                    </p:animEffect>
+                                  </p:childTnLst>
+                                </p:cTn>
+                              </p:par>
+                              <p:par>
+                                <p:cTn id="69" presetID="10" presetClass="entr" presetSubtype="0" fill="hold" grpId="0" nodeType="withEffect">
+                                  <p:stCondLst>
+                                    <p:cond delay="0"/>
+                                  </p:stCondLst>
+                                  <p:childTnLst>
+                                    <p:set>
+                                      <p:cBhvr>
+                                        <p:cTn id="70" dur="1" fill="hold">
+                                          <p:stCondLst>
+                                            <p:cond delay="0"/>
+                                          </p:stCondLst>
+                                        </p:cTn>
+                                        <p:tgtEl>
+                                          <p:spTgt spid="71"/>
+                                        </p:tgtEl>
+                                        <p:attrNameLst>
+                                          <p:attrName>style.visibility</p:attrName>
+                                        </p:attrNameLst>
+                                      </p:cBhvr>
+                                      <p:to>
+                                        <p:strVal val="visible"/>
+                                      </p:to>
+                                    </p:set>
+                                    <p:animEffect transition="in" filter="fade">
+                                      <p:cBhvr>
+                                        <p:cTn id="71" dur="500"/>
+                                        <p:tgtEl>
+                                          <p:spTgt spid="71"/>
+                                        </p:tgtEl>
+                                      </p:cBhvr>
+                                    </p:animEffect>
+                                  </p:childTnLst>
+                                </p:cTn>
+                              </p:par>
+                            </p:childTnLst>
+                          </p:cTn>
+                        </p:par>
+                      </p:childTnLst>
+                    </p:cTn>
+                  </p:par>
+                  <p:par>
+                    <p:cTn id="72" fill="hold">
+                      <p:stCondLst>
+                        <p:cond delay="indefinite"/>
+                      </p:stCondLst>
+                      <p:childTnLst>
+                        <p:par>
+                          <p:cTn id="73" fill="hold">
+                            <p:stCondLst>
+                              <p:cond delay="0"/>
+                            </p:stCondLst>
+                            <p:childTnLst>
+                              <p:par>
+                                <p:cTn id="74" presetID="10" presetClass="entr" presetSubtype="0" fill="hold" nodeType="clickEffect">
+                                  <p:stCondLst>
+                                    <p:cond delay="0"/>
+                                  </p:stCondLst>
+                                  <p:childTnLst>
+                                    <p:set>
+                                      <p:cBhvr>
+                                        <p:cTn id="75" dur="1" fill="hold">
+                                          <p:stCondLst>
+                                            <p:cond delay="0"/>
+                                          </p:stCondLst>
+                                        </p:cTn>
+                                        <p:tgtEl>
+                                          <p:spTgt spid="44"/>
+                                        </p:tgtEl>
+                                        <p:attrNameLst>
+                                          <p:attrName>style.visibility</p:attrName>
+                                        </p:attrNameLst>
+                                      </p:cBhvr>
+                                      <p:to>
+                                        <p:strVal val="visible"/>
+                                      </p:to>
+                                    </p:set>
+                                    <p:animEffect transition="in" filter="fade">
+                                      <p:cBhvr>
+                                        <p:cTn id="76" dur="500"/>
+                                        <p:tgtEl>
+                                          <p:spTgt spid="44"/>
+                                        </p:tgtEl>
+                                      </p:cBhvr>
+                                    </p:animEffect>
+                                  </p:childTnLst>
+                                </p:cTn>
+                              </p:par>
+                              <p:par>
+                                <p:cTn id="77" presetID="10" presetClass="entr" presetSubtype="0" fill="hold" grpId="0" nodeType="withEffect">
+                                  <p:stCondLst>
+                                    <p:cond delay="0"/>
+                                  </p:stCondLst>
+                                  <p:childTnLst>
+                                    <p:set>
+                                      <p:cBhvr>
+                                        <p:cTn id="78" dur="1" fill="hold">
+                                          <p:stCondLst>
+                                            <p:cond delay="0"/>
+                                          </p:stCondLst>
+                                        </p:cTn>
+                                        <p:tgtEl>
+                                          <p:spTgt spid="72"/>
+                                        </p:tgtEl>
+                                        <p:attrNameLst>
+                                          <p:attrName>style.visibility</p:attrName>
+                                        </p:attrNameLst>
+                                      </p:cBhvr>
+                                      <p:to>
+                                        <p:strVal val="visible"/>
+                                      </p:to>
+                                    </p:set>
+                                    <p:animEffect transition="in" filter="fade">
+                                      <p:cBhvr>
+                                        <p:cTn id="79" dur="500"/>
+                                        <p:tgtEl>
+                                          <p:spTgt spid="72"/>
+                                        </p:tgtEl>
+                                      </p:cBhvr>
+                                    </p:animEffect>
+                                  </p:childTnLst>
+                                </p:cTn>
+                              </p:par>
+                            </p:childTnLst>
+                          </p:cTn>
+                        </p:par>
+                      </p:childTnLst>
+                    </p:cTn>
+                  </p:par>
+                  <p:par>
+                    <p:cTn id="80" fill="hold">
+                      <p:stCondLst>
+                        <p:cond delay="indefinite"/>
+                      </p:stCondLst>
+                      <p:childTnLst>
+                        <p:par>
+                          <p:cTn id="81" fill="hold">
+                            <p:stCondLst>
+                              <p:cond delay="0"/>
+                            </p:stCondLst>
+                            <p:childTnLst>
+                              <p:par>
+                                <p:cTn id="82" presetID="10" presetClass="entr" presetSubtype="0" fill="hold" nodeType="clickEffect">
+                                  <p:stCondLst>
+                                    <p:cond delay="0"/>
+                                  </p:stCondLst>
+                                  <p:childTnLst>
+                                    <p:set>
+                                      <p:cBhvr>
+                                        <p:cTn id="83" dur="1" fill="hold">
+                                          <p:stCondLst>
+                                            <p:cond delay="0"/>
+                                          </p:stCondLst>
+                                        </p:cTn>
+                                        <p:tgtEl>
+                                          <p:spTgt spid="70"/>
+                                        </p:tgtEl>
+                                        <p:attrNameLst>
+                                          <p:attrName>style.visibility</p:attrName>
+                                        </p:attrNameLst>
+                                      </p:cBhvr>
+                                      <p:to>
+                                        <p:strVal val="visible"/>
+                                      </p:to>
+                                    </p:set>
+                                    <p:animEffect transition="in" filter="fade">
+                                      <p:cBhvr>
+                                        <p:cTn id="84" dur="500"/>
+                                        <p:tgtEl>
+                                          <p:spTgt spid="70"/>
+                                        </p:tgtEl>
+                                      </p:cBhvr>
+                                    </p:animEffect>
+                                  </p:childTnLst>
+                                </p:cTn>
+                              </p:par>
+                            </p:childTnLst>
+                          </p:cTn>
+                        </p:par>
+                      </p:childTnLst>
+                    </p:cTn>
+                  </p:par>
+                </p:childTnLst>
+              </p:cTn>
+              <p:prevCondLst>
+                <p:cond evt="onPrev" delay="0">
+                  <p:tgtEl>
+                    <p:sldTgt/>
+                  </p:tgtEl>
+                </p:cond>
+              </p:prevCondLst>
+              <p:nextCondLst>
+                <p:cond evt="onNext" delay="0">
+                  <p:tgtEl>
+                    <p:sldTgt/>
+                  </p:tgtEl>
+                </p:cond>
+              </p:nextCondLst>
+            </p:seq>
+          </p:childTnLst>
+        </p:cTn>
+      </p:par>
+    </p:tnLst>
+    <p:bldLst>
+      <p:bldP spid="9" grpId="0" animBg="1"/>
+      <p:bldP spid="11" grpId="0" animBg="1"/>
+      <p:bldP spid="12" grpId="0" animBg="1"/>
+      <p:bldP spid="37" grpId="0"/>
+      <p:bldP spid="38" grpId="0"/>
+      <p:bldP spid="46" grpId="0"/>
+      <p:bldP spid="55" grpId="0"/>
+      <p:bldP spid="56" grpId="0"/>
+      <p:bldP spid="63" grpId="0"/>
+      <p:bldP spid="71" grpId="0"/>
+      <p:bldP spid="72" grpId="0"/>
+    </p:bldLst>
+  </p:timing>
+</p:sld>
+</file>
+
+<file path=ppt/slides/slide8.xml><?xml version="1.0" encoding="utf-8"?>
+<p:sld xmlns:a="http://schemas.openxmlformats.org/drawingml/2006/main" xmlns:r="http://schemas.openxmlformats.org/officeDocument/2006/relationships" xmlns:p="http://schemas.openxmlformats.org/presentationml/2006/main">
+  <p:cSld>
+    <p:spTree>
+      <p:nvGrpSpPr>
+        <p:cNvPr id="1" name=""/>
+        <p:cNvGrpSpPr/>
+        <p:nvPr/>
+      </p:nvGrpSpPr>
+      <p:grpSpPr>
+        <a:xfrm>
+          <a:off x="0" y="0"/>
+          <a:ext cx="0" cy="0"/>
+          <a:chOff x="0" y="0"/>
+          <a:chExt cx="0" cy="0"/>
+        </a:xfrm>
+      </p:grpSpPr>
       <p:sp>
         <p:nvSpPr>
           <p:cNvPr id="2" name="Title 1"/>
@@ -13639,7 +16578,7 @@
 </p:sld>
 </file>
 
-<file path=ppt/slides/slide8.xml><?xml version="1.0" encoding="utf-8"?>
+<file path=ppt/slides/slide9.xml><?xml version="1.0" encoding="utf-8"?>
 <p:sld xmlns:a="http://schemas.openxmlformats.org/drawingml/2006/main" xmlns:r="http://schemas.openxmlformats.org/officeDocument/2006/relationships" xmlns:p="http://schemas.openxmlformats.org/presentationml/2006/main">
   <p:cSld>
     <p:spTree>
@@ -13707,7 +16646,7 @@
           <a:p>
             <a:fld id="{929262FE-7F58-4A1E-8AF3-5A510A86DEBD}" type="slidenum">
               <a:rPr lang="en-US" smtClean="0"/>
-              <a:t>8</a:t>
+              <a:t>9</a:t>
             </a:fld>
             <a:endParaRPr lang="en-US"/>
           </a:p>
@@ -16175,80 +19114,6 @@
 </p:sld>
 </file>
 
-<file path=ppt/slides/slide9.xml><?xml version="1.0" encoding="utf-8"?>
-<p:sld xmlns:a="http://schemas.openxmlformats.org/drawingml/2006/main" xmlns:r="http://schemas.openxmlformats.org/officeDocument/2006/relationships" xmlns:p="http://schemas.openxmlformats.org/presentationml/2006/main">
-  <p:cSld>
-    <p:spTree>
-      <p:nvGrpSpPr>
-        <p:cNvPr id="1" name=""/>
-        <p:cNvGrpSpPr/>
-        <p:nvPr/>
-      </p:nvGrpSpPr>
-      <p:grpSpPr>
-        <a:xfrm>
-          <a:off x="0" y="0"/>
-          <a:ext cx="0" cy="0"/>
-          <a:chOff x="0" y="0"/>
-          <a:chExt cx="0" cy="0"/>
-        </a:xfrm>
-      </p:grpSpPr>
-      <p:sp>
-        <p:nvSpPr>
-          <p:cNvPr id="2" name="Title 1"/>
-          <p:cNvSpPr>
-            <a:spLocks noGrp="1"/>
-          </p:cNvSpPr>
-          <p:nvPr>
-            <p:ph type="ctrTitle"/>
-          </p:nvPr>
-        </p:nvSpPr>
-        <p:spPr/>
-        <p:txBody>
-          <a:bodyPr/>
-          <a:lstStyle/>
-          <a:p>
-            <a:r>
-              <a:rPr lang="en-US" dirty="0"/>
-              <a:t>Thanks for Watching</a:t>
-            </a:r>
-          </a:p>
-        </p:txBody>
-      </p:sp>
-      <p:sp>
-        <p:nvSpPr>
-          <p:cNvPr id="3" name="Subtitle 2"/>
-          <p:cNvSpPr>
-            <a:spLocks noGrp="1"/>
-          </p:cNvSpPr>
-          <p:nvPr>
-            <p:ph type="subTitle" idx="1"/>
-          </p:nvPr>
-        </p:nvSpPr>
-        <p:spPr/>
-        <p:txBody>
-          <a:bodyPr/>
-          <a:lstStyle/>
-          <a:p>
-            <a:r>
-              <a:rPr lang="en-US" dirty="0"/>
-              <a:t>See other engineering mechanics videos and access the full tool at…</a:t>
-            </a:r>
-          </a:p>
-        </p:txBody>
-      </p:sp>
-    </p:spTree>
-    <p:extLst>
-      <p:ext uri="{BB962C8B-B14F-4D97-AF65-F5344CB8AC3E}">
-        <p14:creationId xmlns:p14="http://schemas.microsoft.com/office/powerpoint/2010/main" val="3129637585"/>
-      </p:ext>
-    </p:extLst>
-  </p:cSld>
-  <p:clrMapOvr>
-    <a:masterClrMapping/>
-  </p:clrMapOvr>
-</p:sld>
-</file>
-
 <file path=ppt/theme/theme1.xml><?xml version="1.0" encoding="utf-8"?>
 <a:theme xmlns:a="http://schemas.openxmlformats.org/drawingml/2006/main" name="MA_Template">
   <a:themeElements>
@@ -16820,21 +19685,6 @@
 </file>
 
 <file path=customXml/item1.xml><?xml version="1.0" encoding="utf-8"?>
-<?mso-contentType ?>
-<FormTemplates xmlns="http://schemas.microsoft.com/sharepoint/v3/contenttype/forms">
-  <Display>DocumentLibraryForm</Display>
-  <Edit>DocumentLibraryForm</Edit>
-  <New>DocumentLibraryForm</New>
-</FormTemplates>
-</file>
-
-<file path=customXml/item2.xml><?xml version="1.0" encoding="utf-8"?>
-<p:properties xmlns:p="http://schemas.microsoft.com/office/2006/metadata/properties" xmlns:xsi="http://www.w3.org/2001/XMLSchema-instance" xmlns:pc="http://schemas.microsoft.com/office/infopath/2007/PartnerControls">
-  <documentManagement/>
-</p:properties>
-</file>
-
-<file path=customXml/item3.xml><?xml version="1.0" encoding="utf-8"?>
 <ct:contentTypeSchema xmlns:ct="http://schemas.microsoft.com/office/2006/metadata/contentType" xmlns:ma="http://schemas.microsoft.com/office/2006/metadata/properties/metaAttributes" ct:_="" ma:_="" ma:contentTypeName="Document" ma:contentTypeID="0x010100A06DF21F5BB2734A800ED30F3F452129" ma:contentTypeVersion="12" ma:contentTypeDescription="Create a new document." ma:contentTypeScope="" ma:versionID="544d96a5fbac5de9d5d902b535c73fb2">
   <xsd:schema xmlns:xsd="http://www.w3.org/2001/XMLSchema" xmlns:xs="http://www.w3.org/2001/XMLSchema" xmlns:p="http://schemas.microsoft.com/office/2006/metadata/properties" xmlns:ns3="90d05cb5-950f-4f68-bc2c-e17794455b92" xmlns:ns4="b4eab9fa-dbb0-4082-8491-8bd54207a265" targetNamespace="http://schemas.microsoft.com/office/2006/metadata/properties" ma:root="true" ma:fieldsID="7a710efc71c2169bf9c05e5a40dddf12" ns3:_="" ns4:_="">
     <xsd:import namespace="90d05cb5-950f-4f68-bc2c-e17794455b92"/>
@@ -17051,24 +19901,22 @@
 </ct:contentTypeSchema>
 </file>
 
-<file path=customXml/itemProps1.xml><?xml version="1.0" encoding="utf-8"?>
-<ds:datastoreItem xmlns:ds="http://schemas.openxmlformats.org/officeDocument/2006/customXml" ds:itemID="{F5CF5F32-56DC-4068-8B04-457CF34A96F3}">
-  <ds:schemaRefs>
-    <ds:schemaRef ds:uri="http://schemas.microsoft.com/sharepoint/v3/contenttype/forms"/>
-  </ds:schemaRefs>
-</ds:datastoreItem>
+<file path=customXml/item2.xml><?xml version="1.0" encoding="utf-8"?>
+<p:properties xmlns:p="http://schemas.microsoft.com/office/2006/metadata/properties" xmlns:xsi="http://www.w3.org/2001/XMLSchema-instance" xmlns:pc="http://schemas.microsoft.com/office/infopath/2007/PartnerControls">
+  <documentManagement/>
+</p:properties>
 </file>
 
-<file path=customXml/itemProps2.xml><?xml version="1.0" encoding="utf-8"?>
-<ds:datastoreItem xmlns:ds="http://schemas.openxmlformats.org/officeDocument/2006/customXml" ds:itemID="{52EB1464-66D1-425A-BBB5-7A9312BBE9C4}">
-  <ds:schemaRefs>
-    <ds:schemaRef ds:uri="http://schemas.microsoft.com/office/2006/metadata/properties"/>
-    <ds:schemaRef ds:uri="http://schemas.microsoft.com/office/infopath/2007/PartnerControls"/>
-  </ds:schemaRefs>
-</ds:datastoreItem>
+<file path=customXml/item3.xml><?xml version="1.0" encoding="utf-8"?>
+<?mso-contentType ?>
+<FormTemplates xmlns="http://schemas.microsoft.com/sharepoint/v3/contenttype/forms">
+  <Display>DocumentLibraryForm</Display>
+  <Edit>DocumentLibraryForm</Edit>
+  <New>DocumentLibraryForm</New>
+</FormTemplates>
 </file>
 
-<file path=customXml/itemProps3.xml><?xml version="1.0" encoding="utf-8"?>
+<file path=customXml/itemProps1.xml><?xml version="1.0" encoding="utf-8"?>
 <ds:datastoreItem xmlns:ds="http://schemas.openxmlformats.org/officeDocument/2006/customXml" ds:itemID="{A43B8A4B-79FE-4529-931C-D64224FA70E3}">
   <ds:schemaRefs>
     <ds:schemaRef ds:uri="http://schemas.microsoft.com/office/2006/metadata/contentType"/>
@@ -17085,4 +19933,21 @@
     <ds:schemaRef ds:uri="http://schemas.microsoft.com/internal/obd"/>
   </ds:schemaRefs>
 </ds:datastoreItem>
+</file>
+
+<file path=customXml/itemProps2.xml><?xml version="1.0" encoding="utf-8"?>
+<ds:datastoreItem xmlns:ds="http://schemas.openxmlformats.org/officeDocument/2006/customXml" ds:itemID="{52EB1464-66D1-425A-BBB5-7A9312BBE9C4}">
+  <ds:schemaRefs>
+    <ds:schemaRef ds:uri="http://schemas.microsoft.com/office/2006/metadata/properties"/>
+    <ds:schemaRef ds:uri="http://schemas.microsoft.com/office/infopath/2007/PartnerControls"/>
+  </ds:schemaRefs>
+</ds:datastoreItem>
+</file>
+
+<file path=customXml/itemProps3.xml><?xml version="1.0" encoding="utf-8"?>
+<ds:datastoreItem xmlns:ds="http://schemas.openxmlformats.org/officeDocument/2006/customXml" ds:itemID="{F5CF5F32-56DC-4068-8B04-457CF34A96F3}">
+  <ds:schemaRefs>
+    <ds:schemaRef ds:uri="http://schemas.microsoft.com/sharepoint/v3/contenttype/forms"/>
+  </ds:schemaRefs>
+</ds:datastoreItem>
 </file>
--- a/Lecture Slides/VideoLectureSlides/6.4.pptx
+++ b/Lecture Slides/VideoLectureSlides/6.4.pptx
@@ -233,7 +233,7 @@
           <a:p>
             <a:fld id="{1AA1AB63-216F-4D5B-8811-CCB935E98D4A}" type="datetimeFigureOut">
               <a:rPr lang="en-US" smtClean="0"/>
-              <a:t>7/7/2021</a:t>
+              <a:t>9/20/2021</a:t>
             </a:fld>
             <a:endParaRPr lang="en-US"/>
           </a:p>
@@ -3847,7 +3847,7 @@
           <a:p>
             <a:r>
               <a:rPr lang="en-US" dirty="0"/>
-              <a:t>Building the Moment Diagram Worked Example</a:t>
+              <a:t>Shear and Moment Diagram Worked Example</a:t>
             </a:r>
           </a:p>
         </p:txBody>
@@ -3874,7 +3874,7 @@
           <a:p>
             <a:r>
               <a:rPr lang="en-US" dirty="0"/>
-              <a:t>Draw the moment diagram for the beam shown below. </a:t>
+              <a:t>Draw the shear and moment diagrams for the beam shown below. </a:t>
             </a:r>
           </a:p>
         </p:txBody>
@@ -4794,21 +4794,8 @@
                   <a:srgbClr val="FF0000"/>
                 </a:solidFill>
               </a:rPr>
-              <a:t>6 </a:t>
-            </a:r>
-            <a:r>
-              <a:rPr lang="en-US" dirty="0" err="1">
-                <a:solidFill>
-                  <a:srgbClr val="FF0000"/>
-                </a:solidFill>
-              </a:rPr>
-              <a:t>kN</a:t>
-            </a:r>
-            <a:endParaRPr lang="en-US" dirty="0">
-              <a:solidFill>
-                <a:srgbClr val="FF0000"/>
-              </a:solidFill>
-            </a:endParaRPr>
+              <a:t>6 kN</a:t>
+            </a:r>
           </a:p>
         </p:txBody>
       </p:sp>
@@ -4840,23 +4827,7 @@
                   <a:srgbClr val="FF0000"/>
                 </a:solidFill>
               </a:rPr>
-              <a:t>1 </a:t>
-            </a:r>
-            <a:r>
-              <a:rPr lang="en-US" dirty="0" err="1">
-                <a:solidFill>
-                  <a:srgbClr val="FF0000"/>
-                </a:solidFill>
-              </a:rPr>
-              <a:t>kN</a:t>
-            </a:r>
-            <a:r>
-              <a:rPr lang="en-US" dirty="0">
-                <a:solidFill>
-                  <a:srgbClr val="FF0000"/>
-                </a:solidFill>
-              </a:rPr>
-              <a:t>/m</a:t>
+              <a:t>1 kN/m</a:t>
             </a:r>
           </a:p>
         </p:txBody>
@@ -4889,23 +4860,7 @@
                   <a:srgbClr val="7030A0"/>
                 </a:solidFill>
               </a:rPr>
-              <a:t>36 </a:t>
-            </a:r>
-            <a:r>
-              <a:rPr lang="en-US" b="1" dirty="0" err="1">
-                <a:solidFill>
-                  <a:srgbClr val="7030A0"/>
-                </a:solidFill>
-              </a:rPr>
-              <a:t>kN</a:t>
-            </a:r>
-            <a:r>
-              <a:rPr lang="en-US" b="1" dirty="0">
-                <a:solidFill>
-                  <a:srgbClr val="7030A0"/>
-                </a:solidFill>
-              </a:rPr>
-              <a:t> m</a:t>
+              <a:t>36 kN m</a:t>
             </a:r>
           </a:p>
         </p:txBody>
@@ -5000,12 +4955,14 @@
         </p:nvSpPr>
         <p:spPr/>
         <p:txBody>
-          <a:bodyPr/>
+          <a:bodyPr>
+            <a:normAutofit fontScale="90000"/>
+          </a:bodyPr>
           <a:lstStyle/>
           <a:p>
             <a:r>
               <a:rPr lang="en-US" dirty="0"/>
-              <a:t>Complex Bending Practice Problem</a:t>
+              <a:t>Shear and Moment Diagram Worked Example</a:t>
             </a:r>
           </a:p>
         </p:txBody>
@@ -5022,19 +4979,19 @@
         </p:nvSpPr>
         <p:spPr>
           <a:xfrm>
-            <a:off x="457200" y="1600200"/>
-            <a:ext cx="8229600" cy="1936283"/>
+            <a:off x="457200" y="1600201"/>
+            <a:ext cx="8229600" cy="1758832"/>
           </a:xfrm>
         </p:spPr>
         <p:txBody>
           <a:bodyPr>
-            <a:normAutofit fontScale="85000" lnSpcReduction="20000"/>
+            <a:normAutofit fontScale="92500" lnSpcReduction="10000"/>
           </a:bodyPr>
           <a:lstStyle/>
           <a:p>
             <a:r>
               <a:rPr lang="en-US" dirty="0"/>
-              <a:t>A horizontal wooden beam in the lobby of a new hotel is going to be supported and loaded as shown below. What do the shear and moment diagram for this beam look like? What is the largest internal moment in the beam and where does it occur?</a:t>
+              <a:t>A horizontal wooden beam in the lobby of a new hotel is going to be supported and loaded as shown below. Draw the shear and moment diagrams for the beam.</a:t>
             </a:r>
           </a:p>
         </p:txBody>

--- a/Lecture Slides/VideoLectureSlides/6.4.pptx
+++ b/Lecture Slides/VideoLectureSlides/6.4.pptx
@@ -5,7 +5,7 @@
     <p:sldMasterId id="2147483660" r:id="rId4"/>
   </p:sldMasterIdLst>
   <p:notesMasterIdLst>
-    <p:notesMasterId r:id="rId17"/>
+    <p:notesMasterId r:id="rId18"/>
   </p:notesMasterIdLst>
   <p:sldIdLst>
     <p:sldId id="256" r:id="rId5"/>
@@ -18,8 +18,9 @@
     <p:sldId id="265" r:id="rId12"/>
     <p:sldId id="290" r:id="rId13"/>
     <p:sldId id="287" r:id="rId14"/>
-    <p:sldId id="266" r:id="rId15"/>
-    <p:sldId id="267" r:id="rId16"/>
+    <p:sldId id="292" r:id="rId15"/>
+    <p:sldId id="266" r:id="rId16"/>
+    <p:sldId id="267" r:id="rId17"/>
   </p:sldIdLst>
   <p:sldSz cx="9144000" cy="6858000" type="screen4x3"/>
   <p:notesSz cx="6858000" cy="9144000"/>
@@ -233,7 +234,7 @@
           <a:p>
             <a:fld id="{1AA1AB63-216F-4D5B-8811-CCB935E98D4A}" type="datetimeFigureOut">
               <a:rPr lang="en-US" smtClean="0"/>
-              <a:t>9/20/2021</a:t>
+              <a:t>10/13/2021</a:t>
             </a:fld>
             <a:endParaRPr lang="en-US"/>
           </a:p>
@@ -3828,6 +3829,1427 @@
           <a:chExt cx="0" cy="0"/>
         </a:xfrm>
       </p:grpSpPr>
+      <p:pic>
+        <p:nvPicPr>
+          <p:cNvPr id="1026" name="Picture 2" descr="Theater or studio spotlight">
+            <a:extLst>
+              <a:ext uri="{FF2B5EF4-FFF2-40B4-BE49-F238E27FC236}">
+                <a16:creationId xmlns:a16="http://schemas.microsoft.com/office/drawing/2014/main" id="{558A75EC-2EEC-4FE5-9687-2FD080A45D71}"/>
+              </a:ext>
+            </a:extLst>
+          </p:cNvPr>
+          <p:cNvPicPr>
+            <a:picLocks noChangeAspect="1" noChangeArrowheads="1"/>
+          </p:cNvPicPr>
+          <p:nvPr/>
+        </p:nvPicPr>
+        <p:blipFill>
+          <a:blip r:embed="rId2" cstate="print">
+            <a:extLst>
+              <a:ext uri="{28A0092B-C50C-407E-A947-70E740481C1C}">
+                <a14:useLocalDpi xmlns:a14="http://schemas.microsoft.com/office/drawing/2010/main" val="0"/>
+              </a:ext>
+            </a:extLst>
+          </a:blip>
+          <a:srcRect/>
+          <a:stretch>
+            <a:fillRect/>
+          </a:stretch>
+        </p:blipFill>
+        <p:spPr bwMode="auto">
+          <a:xfrm>
+            <a:off x="982222" y="5140308"/>
+            <a:ext cx="641568" cy="641568"/>
+          </a:xfrm>
+          <a:prstGeom prst="rect">
+            <a:avLst/>
+          </a:prstGeom>
+          <a:noFill/>
+          <a:extLst>
+            <a:ext uri="{909E8E84-426E-40DD-AFC4-6F175D3DCCD1}">
+              <a14:hiddenFill xmlns:a14="http://schemas.microsoft.com/office/drawing/2010/main">
+                <a:solidFill>
+                  <a:srgbClr val="FFFFFF"/>
+                </a:solidFill>
+              </a14:hiddenFill>
+            </a:ext>
+          </a:extLst>
+        </p:spPr>
+      </p:pic>
+      <p:pic>
+        <p:nvPicPr>
+          <p:cNvPr id="70" name="Picture 2" descr="Theater or studio spotlight">
+            <a:extLst>
+              <a:ext uri="{FF2B5EF4-FFF2-40B4-BE49-F238E27FC236}">
+                <a16:creationId xmlns:a16="http://schemas.microsoft.com/office/drawing/2014/main" id="{17D33A8D-AFD2-4A8D-A85B-25A20AA6DAF1}"/>
+              </a:ext>
+            </a:extLst>
+          </p:cNvPr>
+          <p:cNvPicPr>
+            <a:picLocks noChangeAspect="1" noChangeArrowheads="1"/>
+          </p:cNvPicPr>
+          <p:nvPr/>
+        </p:nvPicPr>
+        <p:blipFill>
+          <a:blip r:embed="rId2" cstate="print">
+            <a:extLst>
+              <a:ext uri="{28A0092B-C50C-407E-A947-70E740481C1C}">
+                <a14:useLocalDpi xmlns:a14="http://schemas.microsoft.com/office/drawing/2010/main" val="0"/>
+              </a:ext>
+            </a:extLst>
+          </a:blip>
+          <a:srcRect/>
+          <a:stretch>
+            <a:fillRect/>
+          </a:stretch>
+        </p:blipFill>
+        <p:spPr bwMode="auto">
+          <a:xfrm>
+            <a:off x="7464067" y="5150638"/>
+            <a:ext cx="641568" cy="641568"/>
+          </a:xfrm>
+          <a:prstGeom prst="rect">
+            <a:avLst/>
+          </a:prstGeom>
+          <a:noFill/>
+          <a:extLst>
+            <a:ext uri="{909E8E84-426E-40DD-AFC4-6F175D3DCCD1}">
+              <a14:hiddenFill xmlns:a14="http://schemas.microsoft.com/office/drawing/2010/main">
+                <a:solidFill>
+                  <a:srgbClr val="FFFFFF"/>
+                </a:solidFill>
+              </a14:hiddenFill>
+            </a:ext>
+          </a:extLst>
+        </p:spPr>
+      </p:pic>
+      <p:pic>
+        <p:nvPicPr>
+          <p:cNvPr id="71" name="Picture 2" descr="Theater or studio spotlight">
+            <a:extLst>
+              <a:ext uri="{FF2B5EF4-FFF2-40B4-BE49-F238E27FC236}">
+                <a16:creationId xmlns:a16="http://schemas.microsoft.com/office/drawing/2014/main" id="{44400165-A40D-408C-A057-2D7F9BA6F689}"/>
+              </a:ext>
+            </a:extLst>
+          </p:cNvPr>
+          <p:cNvPicPr>
+            <a:picLocks noChangeAspect="1" noChangeArrowheads="1"/>
+          </p:cNvPicPr>
+          <p:nvPr/>
+        </p:nvPicPr>
+        <p:blipFill>
+          <a:blip r:embed="rId3" cstate="print">
+            <a:extLst>
+              <a:ext uri="{28A0092B-C50C-407E-A947-70E740481C1C}">
+                <a14:useLocalDpi xmlns:a14="http://schemas.microsoft.com/office/drawing/2010/main" val="0"/>
+              </a:ext>
+            </a:extLst>
+          </a:blip>
+          <a:srcRect/>
+          <a:stretch>
+            <a:fillRect/>
+          </a:stretch>
+        </p:blipFill>
+        <p:spPr bwMode="auto">
+          <a:xfrm>
+            <a:off x="5744354" y="5093035"/>
+            <a:ext cx="821229" cy="821229"/>
+          </a:xfrm>
+          <a:prstGeom prst="rect">
+            <a:avLst/>
+          </a:prstGeom>
+          <a:noFill/>
+          <a:extLst>
+            <a:ext uri="{909E8E84-426E-40DD-AFC4-6F175D3DCCD1}">
+              <a14:hiddenFill xmlns:a14="http://schemas.microsoft.com/office/drawing/2010/main">
+                <a:solidFill>
+                  <a:srgbClr val="FFFFFF"/>
+                </a:solidFill>
+              </a14:hiddenFill>
+            </a:ext>
+          </a:extLst>
+        </p:spPr>
+      </p:pic>
+      <p:pic>
+        <p:nvPicPr>
+          <p:cNvPr id="72" name="Picture 2" descr="Theater or studio spotlight">
+            <a:extLst>
+              <a:ext uri="{FF2B5EF4-FFF2-40B4-BE49-F238E27FC236}">
+                <a16:creationId xmlns:a16="http://schemas.microsoft.com/office/drawing/2014/main" id="{C8317FE3-619E-4B16-A7A6-641CCBFB810C}"/>
+              </a:ext>
+            </a:extLst>
+          </p:cNvPr>
+          <p:cNvPicPr>
+            <a:picLocks noChangeAspect="1" noChangeArrowheads="1"/>
+          </p:cNvPicPr>
+          <p:nvPr/>
+        </p:nvPicPr>
+        <p:blipFill>
+          <a:blip r:embed="rId3" cstate="print">
+            <a:extLst>
+              <a:ext uri="{28A0092B-C50C-407E-A947-70E740481C1C}">
+                <a14:useLocalDpi xmlns:a14="http://schemas.microsoft.com/office/drawing/2010/main" val="0"/>
+              </a:ext>
+            </a:extLst>
+          </a:blip>
+          <a:srcRect/>
+          <a:stretch>
+            <a:fillRect/>
+          </a:stretch>
+        </p:blipFill>
+        <p:spPr bwMode="auto">
+          <a:xfrm>
+            <a:off x="4124325" y="5076825"/>
+            <a:ext cx="821229" cy="821229"/>
+          </a:xfrm>
+          <a:prstGeom prst="rect">
+            <a:avLst/>
+          </a:prstGeom>
+          <a:noFill/>
+          <a:extLst>
+            <a:ext uri="{909E8E84-426E-40DD-AFC4-6F175D3DCCD1}">
+              <a14:hiddenFill xmlns:a14="http://schemas.microsoft.com/office/drawing/2010/main">
+                <a:solidFill>
+                  <a:srgbClr val="FFFFFF"/>
+                </a:solidFill>
+              </a14:hiddenFill>
+            </a:ext>
+          </a:extLst>
+        </p:spPr>
+      </p:pic>
+      <p:pic>
+        <p:nvPicPr>
+          <p:cNvPr id="73" name="Picture 2" descr="Theater or studio spotlight">
+            <a:extLst>
+              <a:ext uri="{FF2B5EF4-FFF2-40B4-BE49-F238E27FC236}">
+                <a16:creationId xmlns:a16="http://schemas.microsoft.com/office/drawing/2014/main" id="{4159F1F0-4FFE-414F-BB50-3C4454A8831B}"/>
+              </a:ext>
+            </a:extLst>
+          </p:cNvPr>
+          <p:cNvPicPr>
+            <a:picLocks noChangeAspect="1" noChangeArrowheads="1"/>
+          </p:cNvPicPr>
+          <p:nvPr/>
+        </p:nvPicPr>
+        <p:blipFill>
+          <a:blip r:embed="rId3" cstate="print">
+            <a:extLst>
+              <a:ext uri="{28A0092B-C50C-407E-A947-70E740481C1C}">
+                <a14:useLocalDpi xmlns:a14="http://schemas.microsoft.com/office/drawing/2010/main" val="0"/>
+              </a:ext>
+            </a:extLst>
+          </a:blip>
+          <a:srcRect/>
+          <a:stretch>
+            <a:fillRect/>
+          </a:stretch>
+        </p:blipFill>
+        <p:spPr bwMode="auto">
+          <a:xfrm>
+            <a:off x="1685925" y="5114925"/>
+            <a:ext cx="821229" cy="821229"/>
+          </a:xfrm>
+          <a:prstGeom prst="rect">
+            <a:avLst/>
+          </a:prstGeom>
+          <a:noFill/>
+          <a:extLst>
+            <a:ext uri="{909E8E84-426E-40DD-AFC4-6F175D3DCCD1}">
+              <a14:hiddenFill xmlns:a14="http://schemas.microsoft.com/office/drawing/2010/main">
+                <a:solidFill>
+                  <a:srgbClr val="FFFFFF"/>
+                </a:solidFill>
+              </a14:hiddenFill>
+            </a:ext>
+          </a:extLst>
+        </p:spPr>
+      </p:pic>
+      <p:sp>
+        <p:nvSpPr>
+          <p:cNvPr id="65" name="Rectangle 64">
+            <a:extLst>
+              <a:ext uri="{FF2B5EF4-FFF2-40B4-BE49-F238E27FC236}">
+                <a16:creationId xmlns:a16="http://schemas.microsoft.com/office/drawing/2014/main" id="{770DF2D8-4921-4D39-8234-E6ECA947DA77}"/>
+              </a:ext>
+            </a:extLst>
+          </p:cNvPr>
+          <p:cNvSpPr/>
+          <p:nvPr/>
+        </p:nvSpPr>
+        <p:spPr>
+          <a:xfrm>
+            <a:off x="1066800" y="3339375"/>
+            <a:ext cx="6934200" cy="678846"/>
+          </a:xfrm>
+          <a:prstGeom prst="rect">
+            <a:avLst/>
+          </a:prstGeom>
+          <a:solidFill>
+            <a:schemeClr val="accent6">
+              <a:lumMod val="40000"/>
+              <a:lumOff val="60000"/>
+            </a:schemeClr>
+          </a:solidFill>
+          <a:ln w="38100">
+            <a:solidFill>
+              <a:srgbClr val="996633"/>
+            </a:solidFill>
+          </a:ln>
+        </p:spPr>
+        <p:style>
+          <a:lnRef idx="2">
+            <a:schemeClr val="accent2">
+              <a:shade val="50000"/>
+            </a:schemeClr>
+          </a:lnRef>
+          <a:fillRef idx="1">
+            <a:schemeClr val="accent2"/>
+          </a:fillRef>
+          <a:effectRef idx="0">
+            <a:schemeClr val="accent2"/>
+          </a:effectRef>
+          <a:fontRef idx="minor">
+            <a:schemeClr val="lt1"/>
+          </a:fontRef>
+        </p:style>
+        <p:txBody>
+          <a:bodyPr rtlCol="0" anchor="ctr"/>
+          <a:lstStyle/>
+          <a:p>
+            <a:pPr algn="ctr"/>
+            <a:endParaRPr lang="en-US"/>
+          </a:p>
+        </p:txBody>
+      </p:sp>
+      <p:sp>
+        <p:nvSpPr>
+          <p:cNvPr id="22" name="Frame 21">
+            <a:extLst>
+              <a:ext uri="{FF2B5EF4-FFF2-40B4-BE49-F238E27FC236}">
+                <a16:creationId xmlns:a16="http://schemas.microsoft.com/office/drawing/2014/main" id="{4EBA0ABB-6AFE-49FC-9BA7-28FA8197B7B9}"/>
+              </a:ext>
+            </a:extLst>
+          </p:cNvPr>
+          <p:cNvSpPr/>
+          <p:nvPr/>
+        </p:nvSpPr>
+        <p:spPr>
+          <a:xfrm>
+            <a:off x="647705" y="2906900"/>
+            <a:ext cx="7772389" cy="1920142"/>
+          </a:xfrm>
+          <a:prstGeom prst="frame">
+            <a:avLst>
+              <a:gd name="adj1" fmla="val 36459"/>
+            </a:avLst>
+          </a:prstGeom>
+          <a:solidFill>
+            <a:schemeClr val="bg1"/>
+          </a:solidFill>
+          <a:ln>
+            <a:noFill/>
+          </a:ln>
+          <a:effectLst>
+            <a:softEdge rad="127000"/>
+          </a:effectLst>
+        </p:spPr>
+        <p:style>
+          <a:lnRef idx="2">
+            <a:schemeClr val="accent1">
+              <a:shade val="50000"/>
+            </a:schemeClr>
+          </a:lnRef>
+          <a:fillRef idx="1">
+            <a:schemeClr val="accent1"/>
+          </a:fillRef>
+          <a:effectRef idx="0">
+            <a:schemeClr val="accent1"/>
+          </a:effectRef>
+          <a:fontRef idx="minor">
+            <a:schemeClr val="lt1"/>
+          </a:fontRef>
+        </p:style>
+        <p:txBody>
+          <a:bodyPr rtlCol="0" anchor="ctr"/>
+          <a:lstStyle/>
+          <a:p>
+            <a:pPr algn="ctr"/>
+            <a:endParaRPr lang="en-US">
+              <a:solidFill>
+                <a:schemeClr val="tx1"/>
+              </a:solidFill>
+            </a:endParaRPr>
+          </a:p>
+        </p:txBody>
+      </p:sp>
+      <p:sp>
+        <p:nvSpPr>
+          <p:cNvPr id="2" name="Title 1"/>
+          <p:cNvSpPr>
+            <a:spLocks noGrp="1"/>
+          </p:cNvSpPr>
+          <p:nvPr>
+            <p:ph type="title"/>
+          </p:nvPr>
+        </p:nvSpPr>
+        <p:spPr/>
+        <p:txBody>
+          <a:bodyPr>
+            <a:normAutofit fontScale="90000"/>
+          </a:bodyPr>
+          <a:lstStyle/>
+          <a:p>
+            <a:r>
+              <a:rPr lang="en-US" dirty="0"/>
+              <a:t>Shear and Moment Diagram Worked Example</a:t>
+            </a:r>
+          </a:p>
+        </p:txBody>
+      </p:sp>
+      <p:sp>
+        <p:nvSpPr>
+          <p:cNvPr id="3" name="Content Placeholder 2"/>
+          <p:cNvSpPr>
+            <a:spLocks noGrp="1"/>
+          </p:cNvSpPr>
+          <p:nvPr>
+            <p:ph idx="1"/>
+          </p:nvPr>
+        </p:nvSpPr>
+        <p:spPr>
+          <a:xfrm>
+            <a:off x="457200" y="1600201"/>
+            <a:ext cx="8229600" cy="1758832"/>
+          </a:xfrm>
+        </p:spPr>
+        <p:txBody>
+          <a:bodyPr>
+            <a:normAutofit fontScale="85000" lnSpcReduction="10000"/>
+          </a:bodyPr>
+          <a:lstStyle/>
+          <a:p>
+            <a:r>
+              <a:rPr lang="en-US" dirty="0"/>
+              <a:t>A lighting gantry is hanging from the ceiling via two cables and supporting several stage lights as shown below. Assume the gantry itself has a negligible weight. Draw the shear and moment diagram for the gantry.</a:t>
+            </a:r>
+          </a:p>
+        </p:txBody>
+      </p:sp>
+      <p:sp>
+        <p:nvSpPr>
+          <p:cNvPr id="4" name="Rectangle 3"/>
+          <p:cNvSpPr/>
+          <p:nvPr/>
+        </p:nvSpPr>
+        <p:spPr>
+          <a:xfrm>
+            <a:off x="1328304" y="4920429"/>
+            <a:ext cx="6487392" cy="202597"/>
+          </a:xfrm>
+          <a:prstGeom prst="rect">
+            <a:avLst/>
+          </a:prstGeom>
+          <a:solidFill>
+            <a:schemeClr val="bg1">
+              <a:lumMod val="75000"/>
+            </a:schemeClr>
+          </a:solidFill>
+          <a:ln>
+            <a:solidFill>
+              <a:schemeClr val="tx1"/>
+            </a:solidFill>
+          </a:ln>
+        </p:spPr>
+        <p:style>
+          <a:lnRef idx="1">
+            <a:schemeClr val="dk1"/>
+          </a:lnRef>
+          <a:fillRef idx="2">
+            <a:schemeClr val="dk1"/>
+          </a:fillRef>
+          <a:effectRef idx="1">
+            <a:schemeClr val="dk1"/>
+          </a:effectRef>
+          <a:fontRef idx="minor">
+            <a:schemeClr val="dk1"/>
+          </a:fontRef>
+        </p:style>
+        <p:txBody>
+          <a:bodyPr rtlCol="0" anchor="ctr"/>
+          <a:lstStyle/>
+          <a:p>
+            <a:pPr algn="ctr"/>
+            <a:endParaRPr lang="en-US"/>
+          </a:p>
+        </p:txBody>
+      </p:sp>
+      <p:sp>
+        <p:nvSpPr>
+          <p:cNvPr id="53" name="TextBox 52">
+            <a:extLst>
+              <a:ext uri="{FF2B5EF4-FFF2-40B4-BE49-F238E27FC236}">
+                <a16:creationId xmlns:a16="http://schemas.microsoft.com/office/drawing/2014/main" id="{969829ED-E484-4994-A041-A82E63D16DB4}"/>
+              </a:ext>
+            </a:extLst>
+          </p:cNvPr>
+          <p:cNvSpPr txBox="1"/>
+          <p:nvPr/>
+        </p:nvSpPr>
+        <p:spPr>
+          <a:xfrm>
+            <a:off x="989595" y="5980061"/>
+            <a:ext cx="741357" cy="369332"/>
+          </a:xfrm>
+          <a:prstGeom prst="rect">
+            <a:avLst/>
+          </a:prstGeom>
+          <a:noFill/>
+        </p:spPr>
+        <p:txBody>
+          <a:bodyPr wrap="none" rtlCol="0">
+            <a:spAutoFit/>
+          </a:bodyPr>
+          <a:lstStyle/>
+          <a:p>
+            <a:r>
+              <a:rPr lang="en-US" b="1" dirty="0">
+                <a:solidFill>
+                  <a:srgbClr val="FF0000"/>
+                </a:solidFill>
+              </a:rPr>
+              <a:t>60 lbs</a:t>
+            </a:r>
+          </a:p>
+        </p:txBody>
+      </p:sp>
+      <p:cxnSp>
+        <p:nvCxnSpPr>
+          <p:cNvPr id="54" name="Straight Arrow Connector 53">
+            <a:extLst>
+              <a:ext uri="{FF2B5EF4-FFF2-40B4-BE49-F238E27FC236}">
+                <a16:creationId xmlns:a16="http://schemas.microsoft.com/office/drawing/2014/main" id="{D1852DB8-E49F-4F61-9E80-1516856B47C6}"/>
+              </a:ext>
+            </a:extLst>
+          </p:cNvPr>
+          <p:cNvCxnSpPr>
+            <a:cxnSpLocks/>
+          </p:cNvCxnSpPr>
+          <p:nvPr/>
+        </p:nvCxnSpPr>
+        <p:spPr>
+          <a:xfrm>
+            <a:off x="1328304" y="5021727"/>
+            <a:ext cx="0" cy="914400"/>
+          </a:xfrm>
+          <a:prstGeom prst="straightConnector1">
+            <a:avLst/>
+          </a:prstGeom>
+          <a:ln w="38100">
+            <a:solidFill>
+              <a:srgbClr val="FF0000"/>
+            </a:solidFill>
+            <a:tailEnd type="arrow"/>
+          </a:ln>
+        </p:spPr>
+        <p:style>
+          <a:lnRef idx="3">
+            <a:schemeClr val="accent2"/>
+          </a:lnRef>
+          <a:fillRef idx="0">
+            <a:schemeClr val="accent2"/>
+          </a:fillRef>
+          <a:effectRef idx="2">
+            <a:schemeClr val="accent2"/>
+          </a:effectRef>
+          <a:fontRef idx="minor">
+            <a:schemeClr val="tx1"/>
+          </a:fontRef>
+        </p:style>
+      </p:cxnSp>
+      <p:cxnSp>
+        <p:nvCxnSpPr>
+          <p:cNvPr id="55" name="Straight Arrow Connector 54">
+            <a:extLst>
+              <a:ext uri="{FF2B5EF4-FFF2-40B4-BE49-F238E27FC236}">
+                <a16:creationId xmlns:a16="http://schemas.microsoft.com/office/drawing/2014/main" id="{BCE500A0-D045-4A37-9518-A6FABB533CDC}"/>
+              </a:ext>
+            </a:extLst>
+          </p:cNvPr>
+          <p:cNvCxnSpPr>
+            <a:cxnSpLocks/>
+          </p:cNvCxnSpPr>
+          <p:nvPr/>
+        </p:nvCxnSpPr>
+        <p:spPr>
+          <a:xfrm>
+            <a:off x="7815696" y="5021727"/>
+            <a:ext cx="0" cy="914400"/>
+          </a:xfrm>
+          <a:prstGeom prst="straightConnector1">
+            <a:avLst/>
+          </a:prstGeom>
+          <a:ln w="38100">
+            <a:solidFill>
+              <a:srgbClr val="FF0000"/>
+            </a:solidFill>
+            <a:tailEnd type="arrow"/>
+          </a:ln>
+        </p:spPr>
+        <p:style>
+          <a:lnRef idx="3">
+            <a:schemeClr val="accent2"/>
+          </a:lnRef>
+          <a:fillRef idx="0">
+            <a:schemeClr val="accent2"/>
+          </a:fillRef>
+          <a:effectRef idx="2">
+            <a:schemeClr val="accent2"/>
+          </a:effectRef>
+          <a:fontRef idx="minor">
+            <a:schemeClr val="tx1"/>
+          </a:fontRef>
+        </p:style>
+      </p:cxnSp>
+      <p:cxnSp>
+        <p:nvCxnSpPr>
+          <p:cNvPr id="56" name="Straight Arrow Connector 55">
+            <a:extLst>
+              <a:ext uri="{FF2B5EF4-FFF2-40B4-BE49-F238E27FC236}">
+                <a16:creationId xmlns:a16="http://schemas.microsoft.com/office/drawing/2014/main" id="{3419C5D4-76C9-4506-A6B3-1655F808195D}"/>
+              </a:ext>
+            </a:extLst>
+          </p:cNvPr>
+          <p:cNvCxnSpPr>
+            <a:cxnSpLocks/>
+          </p:cNvCxnSpPr>
+          <p:nvPr/>
+        </p:nvCxnSpPr>
+        <p:spPr>
+          <a:xfrm>
+            <a:off x="4572000" y="5021727"/>
+            <a:ext cx="0" cy="1143000"/>
+          </a:xfrm>
+          <a:prstGeom prst="straightConnector1">
+            <a:avLst/>
+          </a:prstGeom>
+          <a:ln w="38100">
+            <a:solidFill>
+              <a:srgbClr val="FF0000"/>
+            </a:solidFill>
+            <a:tailEnd type="arrow"/>
+          </a:ln>
+        </p:spPr>
+        <p:style>
+          <a:lnRef idx="3">
+            <a:schemeClr val="accent2"/>
+          </a:lnRef>
+          <a:fillRef idx="0">
+            <a:schemeClr val="accent2"/>
+          </a:fillRef>
+          <a:effectRef idx="2">
+            <a:schemeClr val="accent2"/>
+          </a:effectRef>
+          <a:fontRef idx="minor">
+            <a:schemeClr val="tx1"/>
+          </a:fontRef>
+        </p:style>
+      </p:cxnSp>
+      <p:cxnSp>
+        <p:nvCxnSpPr>
+          <p:cNvPr id="57" name="Straight Arrow Connector 56">
+            <a:extLst>
+              <a:ext uri="{FF2B5EF4-FFF2-40B4-BE49-F238E27FC236}">
+                <a16:creationId xmlns:a16="http://schemas.microsoft.com/office/drawing/2014/main" id="{A2C67BBB-88A8-420A-B5E5-7A1B83883E83}"/>
+              </a:ext>
+            </a:extLst>
+          </p:cNvPr>
+          <p:cNvCxnSpPr>
+            <a:cxnSpLocks/>
+          </p:cNvCxnSpPr>
+          <p:nvPr/>
+        </p:nvCxnSpPr>
+        <p:spPr>
+          <a:xfrm>
+            <a:off x="6193848" y="5021727"/>
+            <a:ext cx="0" cy="1143000"/>
+          </a:xfrm>
+          <a:prstGeom prst="straightConnector1">
+            <a:avLst/>
+          </a:prstGeom>
+          <a:ln w="38100">
+            <a:solidFill>
+              <a:srgbClr val="FF0000"/>
+            </a:solidFill>
+            <a:tailEnd type="arrow"/>
+          </a:ln>
+        </p:spPr>
+        <p:style>
+          <a:lnRef idx="3">
+            <a:schemeClr val="accent2"/>
+          </a:lnRef>
+          <a:fillRef idx="0">
+            <a:schemeClr val="accent2"/>
+          </a:fillRef>
+          <a:effectRef idx="2">
+            <a:schemeClr val="accent2"/>
+          </a:effectRef>
+          <a:fontRef idx="minor">
+            <a:schemeClr val="tx1"/>
+          </a:fontRef>
+        </p:style>
+      </p:cxnSp>
+      <p:cxnSp>
+        <p:nvCxnSpPr>
+          <p:cNvPr id="58" name="Straight Arrow Connector 57">
+            <a:extLst>
+              <a:ext uri="{FF2B5EF4-FFF2-40B4-BE49-F238E27FC236}">
+                <a16:creationId xmlns:a16="http://schemas.microsoft.com/office/drawing/2014/main" id="{791C4636-E8B9-4F38-A49F-6B8DF6B3926B}"/>
+              </a:ext>
+            </a:extLst>
+          </p:cNvPr>
+          <p:cNvCxnSpPr>
+            <a:cxnSpLocks/>
+          </p:cNvCxnSpPr>
+          <p:nvPr/>
+        </p:nvCxnSpPr>
+        <p:spPr>
+          <a:xfrm>
+            <a:off x="2133600" y="5033484"/>
+            <a:ext cx="0" cy="1143000"/>
+          </a:xfrm>
+          <a:prstGeom prst="straightConnector1">
+            <a:avLst/>
+          </a:prstGeom>
+          <a:ln w="38100">
+            <a:solidFill>
+              <a:srgbClr val="FF0000"/>
+            </a:solidFill>
+            <a:tailEnd type="arrow"/>
+          </a:ln>
+        </p:spPr>
+        <p:style>
+          <a:lnRef idx="3">
+            <a:schemeClr val="accent2"/>
+          </a:lnRef>
+          <a:fillRef idx="0">
+            <a:schemeClr val="accent2"/>
+          </a:fillRef>
+          <a:effectRef idx="2">
+            <a:schemeClr val="accent2"/>
+          </a:effectRef>
+          <a:fontRef idx="minor">
+            <a:schemeClr val="tx1"/>
+          </a:fontRef>
+        </p:style>
+      </p:cxnSp>
+      <p:cxnSp>
+        <p:nvCxnSpPr>
+          <p:cNvPr id="11" name="Straight Connector 10">
+            <a:extLst>
+              <a:ext uri="{FF2B5EF4-FFF2-40B4-BE49-F238E27FC236}">
+                <a16:creationId xmlns:a16="http://schemas.microsoft.com/office/drawing/2014/main" id="{28B2C0F5-339B-44DF-8322-74B89CF7DFEE}"/>
+              </a:ext>
+            </a:extLst>
+          </p:cNvPr>
+          <p:cNvCxnSpPr>
+            <a:cxnSpLocks/>
+          </p:cNvCxnSpPr>
+          <p:nvPr/>
+        </p:nvCxnSpPr>
+        <p:spPr>
+          <a:xfrm>
+            <a:off x="1328304" y="4412129"/>
+            <a:ext cx="0" cy="381000"/>
+          </a:xfrm>
+          <a:prstGeom prst="line">
+            <a:avLst/>
+          </a:prstGeom>
+        </p:spPr>
+        <p:style>
+          <a:lnRef idx="1">
+            <a:schemeClr val="accent1"/>
+          </a:lnRef>
+          <a:fillRef idx="0">
+            <a:schemeClr val="accent1"/>
+          </a:fillRef>
+          <a:effectRef idx="0">
+            <a:schemeClr val="accent1"/>
+          </a:effectRef>
+          <a:fontRef idx="minor">
+            <a:schemeClr val="tx1"/>
+          </a:fontRef>
+        </p:style>
+      </p:cxnSp>
+      <p:cxnSp>
+        <p:nvCxnSpPr>
+          <p:cNvPr id="59" name="Straight Connector 58">
+            <a:extLst>
+              <a:ext uri="{FF2B5EF4-FFF2-40B4-BE49-F238E27FC236}">
+                <a16:creationId xmlns:a16="http://schemas.microsoft.com/office/drawing/2014/main" id="{E30C23C8-2595-49D8-B509-4407C80E77F6}"/>
+              </a:ext>
+            </a:extLst>
+          </p:cNvPr>
+          <p:cNvCxnSpPr/>
+          <p:nvPr/>
+        </p:nvCxnSpPr>
+        <p:spPr>
+          <a:xfrm>
+            <a:off x="2133600" y="4412129"/>
+            <a:ext cx="0" cy="381000"/>
+          </a:xfrm>
+          <a:prstGeom prst="line">
+            <a:avLst/>
+          </a:prstGeom>
+        </p:spPr>
+        <p:style>
+          <a:lnRef idx="1">
+            <a:schemeClr val="accent1"/>
+          </a:lnRef>
+          <a:fillRef idx="0">
+            <a:schemeClr val="accent1"/>
+          </a:fillRef>
+          <a:effectRef idx="0">
+            <a:schemeClr val="accent1"/>
+          </a:effectRef>
+          <a:fontRef idx="minor">
+            <a:schemeClr val="tx1"/>
+          </a:fontRef>
+        </p:style>
+      </p:cxnSp>
+      <p:cxnSp>
+        <p:nvCxnSpPr>
+          <p:cNvPr id="60" name="Straight Connector 59">
+            <a:extLst>
+              <a:ext uri="{FF2B5EF4-FFF2-40B4-BE49-F238E27FC236}">
+                <a16:creationId xmlns:a16="http://schemas.microsoft.com/office/drawing/2014/main" id="{B2F27B42-1FD0-4302-9755-4501D7014046}"/>
+              </a:ext>
+            </a:extLst>
+          </p:cNvPr>
+          <p:cNvCxnSpPr>
+            <a:cxnSpLocks/>
+          </p:cNvCxnSpPr>
+          <p:nvPr/>
+        </p:nvCxnSpPr>
+        <p:spPr>
+          <a:xfrm>
+            <a:off x="4572000" y="4412129"/>
+            <a:ext cx="0" cy="381000"/>
+          </a:xfrm>
+          <a:prstGeom prst="line">
+            <a:avLst/>
+          </a:prstGeom>
+        </p:spPr>
+        <p:style>
+          <a:lnRef idx="1">
+            <a:schemeClr val="accent1"/>
+          </a:lnRef>
+          <a:fillRef idx="0">
+            <a:schemeClr val="accent1"/>
+          </a:fillRef>
+          <a:effectRef idx="0">
+            <a:schemeClr val="accent1"/>
+          </a:effectRef>
+          <a:fontRef idx="minor">
+            <a:schemeClr val="tx1"/>
+          </a:fontRef>
+        </p:style>
+      </p:cxnSp>
+      <p:cxnSp>
+        <p:nvCxnSpPr>
+          <p:cNvPr id="61" name="Straight Connector 60">
+            <a:extLst>
+              <a:ext uri="{FF2B5EF4-FFF2-40B4-BE49-F238E27FC236}">
+                <a16:creationId xmlns:a16="http://schemas.microsoft.com/office/drawing/2014/main" id="{720543A3-6371-4A07-8FF0-3C3A1C448D6E}"/>
+              </a:ext>
+            </a:extLst>
+          </p:cNvPr>
+          <p:cNvCxnSpPr>
+            <a:cxnSpLocks/>
+          </p:cNvCxnSpPr>
+          <p:nvPr/>
+        </p:nvCxnSpPr>
+        <p:spPr>
+          <a:xfrm>
+            <a:off x="6193848" y="4412129"/>
+            <a:ext cx="0" cy="381000"/>
+          </a:xfrm>
+          <a:prstGeom prst="line">
+            <a:avLst/>
+          </a:prstGeom>
+        </p:spPr>
+        <p:style>
+          <a:lnRef idx="1">
+            <a:schemeClr val="accent1"/>
+          </a:lnRef>
+          <a:fillRef idx="0">
+            <a:schemeClr val="accent1"/>
+          </a:fillRef>
+          <a:effectRef idx="0">
+            <a:schemeClr val="accent1"/>
+          </a:effectRef>
+          <a:fontRef idx="minor">
+            <a:schemeClr val="tx1"/>
+          </a:fontRef>
+        </p:style>
+      </p:cxnSp>
+      <p:cxnSp>
+        <p:nvCxnSpPr>
+          <p:cNvPr id="62" name="Straight Connector 61">
+            <a:extLst>
+              <a:ext uri="{FF2B5EF4-FFF2-40B4-BE49-F238E27FC236}">
+                <a16:creationId xmlns:a16="http://schemas.microsoft.com/office/drawing/2014/main" id="{C4AE578F-078C-44C7-81F6-F0BE74E4BEE6}"/>
+              </a:ext>
+            </a:extLst>
+          </p:cNvPr>
+          <p:cNvCxnSpPr>
+            <a:cxnSpLocks/>
+          </p:cNvCxnSpPr>
+          <p:nvPr/>
+        </p:nvCxnSpPr>
+        <p:spPr>
+          <a:xfrm flipV="1">
+            <a:off x="1328304" y="4621679"/>
+            <a:ext cx="6487392" cy="1"/>
+          </a:xfrm>
+          <a:prstGeom prst="line">
+            <a:avLst/>
+          </a:prstGeom>
+        </p:spPr>
+        <p:style>
+          <a:lnRef idx="1">
+            <a:schemeClr val="accent1"/>
+          </a:lnRef>
+          <a:fillRef idx="0">
+            <a:schemeClr val="accent1"/>
+          </a:fillRef>
+          <a:effectRef idx="0">
+            <a:schemeClr val="accent1"/>
+          </a:effectRef>
+          <a:fontRef idx="minor">
+            <a:schemeClr val="tx1"/>
+          </a:fontRef>
+        </p:style>
+      </p:cxnSp>
+      <p:cxnSp>
+        <p:nvCxnSpPr>
+          <p:cNvPr id="63" name="Straight Connector 62">
+            <a:extLst>
+              <a:ext uri="{FF2B5EF4-FFF2-40B4-BE49-F238E27FC236}">
+                <a16:creationId xmlns:a16="http://schemas.microsoft.com/office/drawing/2014/main" id="{1027D757-F5DC-4B98-BBA3-282B66E5FE20}"/>
+              </a:ext>
+            </a:extLst>
+          </p:cNvPr>
+          <p:cNvCxnSpPr>
+            <a:cxnSpLocks/>
+          </p:cNvCxnSpPr>
+          <p:nvPr/>
+        </p:nvCxnSpPr>
+        <p:spPr>
+          <a:xfrm>
+            <a:off x="7815696" y="4412129"/>
+            <a:ext cx="0" cy="381000"/>
+          </a:xfrm>
+          <a:prstGeom prst="line">
+            <a:avLst/>
+          </a:prstGeom>
+        </p:spPr>
+        <p:style>
+          <a:lnRef idx="1">
+            <a:schemeClr val="accent1"/>
+          </a:lnRef>
+          <a:fillRef idx="0">
+            <a:schemeClr val="accent1"/>
+          </a:fillRef>
+          <a:effectRef idx="0">
+            <a:schemeClr val="accent1"/>
+          </a:effectRef>
+          <a:fontRef idx="minor">
+            <a:schemeClr val="tx1"/>
+          </a:fontRef>
+        </p:style>
+      </p:cxnSp>
+      <p:cxnSp>
+        <p:nvCxnSpPr>
+          <p:cNvPr id="13" name="Straight Connector 12">
+            <a:extLst>
+              <a:ext uri="{FF2B5EF4-FFF2-40B4-BE49-F238E27FC236}">
+                <a16:creationId xmlns:a16="http://schemas.microsoft.com/office/drawing/2014/main" id="{F6ECD880-6A7A-47F8-9314-8D9F69AF3CEC}"/>
+              </a:ext>
+            </a:extLst>
+          </p:cNvPr>
+          <p:cNvCxnSpPr>
+            <a:cxnSpLocks/>
+          </p:cNvCxnSpPr>
+          <p:nvPr/>
+        </p:nvCxnSpPr>
+        <p:spPr>
+          <a:xfrm>
+            <a:off x="2133600" y="4021695"/>
+            <a:ext cx="0" cy="895259"/>
+          </a:xfrm>
+          <a:prstGeom prst="line">
+            <a:avLst/>
+          </a:prstGeom>
+          <a:ln w="38100">
+            <a:solidFill>
+              <a:schemeClr val="tx1"/>
+            </a:solidFill>
+          </a:ln>
+        </p:spPr>
+        <p:style>
+          <a:lnRef idx="1">
+            <a:schemeClr val="accent1"/>
+          </a:lnRef>
+          <a:fillRef idx="0">
+            <a:schemeClr val="accent1"/>
+          </a:fillRef>
+          <a:effectRef idx="0">
+            <a:schemeClr val="accent1"/>
+          </a:effectRef>
+          <a:fontRef idx="minor">
+            <a:schemeClr val="tx1"/>
+          </a:fontRef>
+        </p:style>
+      </p:cxnSp>
+      <p:cxnSp>
+        <p:nvCxnSpPr>
+          <p:cNvPr id="64" name="Straight Connector 63">
+            <a:extLst>
+              <a:ext uri="{FF2B5EF4-FFF2-40B4-BE49-F238E27FC236}">
+                <a16:creationId xmlns:a16="http://schemas.microsoft.com/office/drawing/2014/main" id="{5FBED808-D30C-4D1C-99A4-813769B3BF90}"/>
+              </a:ext>
+            </a:extLst>
+          </p:cNvPr>
+          <p:cNvCxnSpPr>
+            <a:cxnSpLocks/>
+          </p:cNvCxnSpPr>
+          <p:nvPr/>
+        </p:nvCxnSpPr>
+        <p:spPr>
+          <a:xfrm>
+            <a:off x="7086600" y="4021695"/>
+            <a:ext cx="0" cy="895259"/>
+          </a:xfrm>
+          <a:prstGeom prst="line">
+            <a:avLst/>
+          </a:prstGeom>
+          <a:ln w="38100">
+            <a:solidFill>
+              <a:schemeClr val="tx1"/>
+            </a:solidFill>
+          </a:ln>
+        </p:spPr>
+        <p:style>
+          <a:lnRef idx="1">
+            <a:schemeClr val="accent1"/>
+          </a:lnRef>
+          <a:fillRef idx="0">
+            <a:schemeClr val="accent1"/>
+          </a:fillRef>
+          <a:effectRef idx="0">
+            <a:schemeClr val="accent1"/>
+          </a:effectRef>
+          <a:fontRef idx="minor">
+            <a:schemeClr val="tx1"/>
+          </a:fontRef>
+        </p:style>
+      </p:cxnSp>
+      <p:sp>
+        <p:nvSpPr>
+          <p:cNvPr id="66" name="TextBox 65">
+            <a:extLst>
+              <a:ext uri="{FF2B5EF4-FFF2-40B4-BE49-F238E27FC236}">
+                <a16:creationId xmlns:a16="http://schemas.microsoft.com/office/drawing/2014/main" id="{6B43906F-E7A6-4D75-B510-3DDFA426CC7D}"/>
+              </a:ext>
+            </a:extLst>
+          </p:cNvPr>
+          <p:cNvSpPr txBox="1"/>
+          <p:nvPr/>
+        </p:nvSpPr>
+        <p:spPr>
+          <a:xfrm>
+            <a:off x="7445017" y="5991818"/>
+            <a:ext cx="741357" cy="369332"/>
+          </a:xfrm>
+          <a:prstGeom prst="rect">
+            <a:avLst/>
+          </a:prstGeom>
+          <a:noFill/>
+        </p:spPr>
+        <p:txBody>
+          <a:bodyPr wrap="none" rtlCol="0">
+            <a:spAutoFit/>
+          </a:bodyPr>
+          <a:lstStyle/>
+          <a:p>
+            <a:r>
+              <a:rPr lang="en-US" b="1" dirty="0">
+                <a:solidFill>
+                  <a:srgbClr val="FF0000"/>
+                </a:solidFill>
+              </a:rPr>
+              <a:t>60 lbs</a:t>
+            </a:r>
+          </a:p>
+        </p:txBody>
+      </p:sp>
+      <p:sp>
+        <p:nvSpPr>
+          <p:cNvPr id="67" name="TextBox 66">
+            <a:extLst>
+              <a:ext uri="{FF2B5EF4-FFF2-40B4-BE49-F238E27FC236}">
+                <a16:creationId xmlns:a16="http://schemas.microsoft.com/office/drawing/2014/main" id="{A08E4B8F-730A-4BB8-B3AD-E76EFA0C873C}"/>
+              </a:ext>
+            </a:extLst>
+          </p:cNvPr>
+          <p:cNvSpPr txBox="1"/>
+          <p:nvPr/>
+        </p:nvSpPr>
+        <p:spPr>
+          <a:xfrm>
+            <a:off x="1769052" y="6214030"/>
+            <a:ext cx="741357" cy="369332"/>
+          </a:xfrm>
+          <a:prstGeom prst="rect">
+            <a:avLst/>
+          </a:prstGeom>
+          <a:noFill/>
+        </p:spPr>
+        <p:txBody>
+          <a:bodyPr wrap="none" rtlCol="0">
+            <a:spAutoFit/>
+          </a:bodyPr>
+          <a:lstStyle/>
+          <a:p>
+            <a:r>
+              <a:rPr lang="en-US" b="1" dirty="0">
+                <a:solidFill>
+                  <a:srgbClr val="FF0000"/>
+                </a:solidFill>
+              </a:rPr>
+              <a:t>80 lbs</a:t>
+            </a:r>
+          </a:p>
+        </p:txBody>
+      </p:sp>
+      <p:sp>
+        <p:nvSpPr>
+          <p:cNvPr id="68" name="TextBox 67">
+            <a:extLst>
+              <a:ext uri="{FF2B5EF4-FFF2-40B4-BE49-F238E27FC236}">
+                <a16:creationId xmlns:a16="http://schemas.microsoft.com/office/drawing/2014/main" id="{B2B25E25-7FDB-41B5-8E8B-E39DAF9942AD}"/>
+              </a:ext>
+            </a:extLst>
+          </p:cNvPr>
+          <p:cNvSpPr txBox="1"/>
+          <p:nvPr/>
+        </p:nvSpPr>
+        <p:spPr>
+          <a:xfrm>
+            <a:off x="4201321" y="6214030"/>
+            <a:ext cx="741357" cy="369332"/>
+          </a:xfrm>
+          <a:prstGeom prst="rect">
+            <a:avLst/>
+          </a:prstGeom>
+          <a:noFill/>
+        </p:spPr>
+        <p:txBody>
+          <a:bodyPr wrap="none" rtlCol="0">
+            <a:spAutoFit/>
+          </a:bodyPr>
+          <a:lstStyle/>
+          <a:p>
+            <a:r>
+              <a:rPr lang="en-US" b="1" dirty="0">
+                <a:solidFill>
+                  <a:srgbClr val="FF0000"/>
+                </a:solidFill>
+              </a:rPr>
+              <a:t>80 lbs</a:t>
+            </a:r>
+          </a:p>
+        </p:txBody>
+      </p:sp>
+      <p:sp>
+        <p:nvSpPr>
+          <p:cNvPr id="69" name="TextBox 68">
+            <a:extLst>
+              <a:ext uri="{FF2B5EF4-FFF2-40B4-BE49-F238E27FC236}">
+                <a16:creationId xmlns:a16="http://schemas.microsoft.com/office/drawing/2014/main" id="{8845D227-E11D-420E-B1D4-0FBCE2BF2D52}"/>
+              </a:ext>
+            </a:extLst>
+          </p:cNvPr>
+          <p:cNvSpPr txBox="1"/>
+          <p:nvPr/>
+        </p:nvSpPr>
+        <p:spPr>
+          <a:xfrm>
+            <a:off x="5823167" y="6210248"/>
+            <a:ext cx="741357" cy="369332"/>
+          </a:xfrm>
+          <a:prstGeom prst="rect">
+            <a:avLst/>
+          </a:prstGeom>
+          <a:noFill/>
+        </p:spPr>
+        <p:txBody>
+          <a:bodyPr wrap="none" rtlCol="0">
+            <a:spAutoFit/>
+          </a:bodyPr>
+          <a:lstStyle/>
+          <a:p>
+            <a:r>
+              <a:rPr lang="en-US" b="1" dirty="0">
+                <a:solidFill>
+                  <a:srgbClr val="FF0000"/>
+                </a:solidFill>
+              </a:rPr>
+              <a:t>80 lbs</a:t>
+            </a:r>
+          </a:p>
+        </p:txBody>
+      </p:sp>
+      <p:sp>
+        <p:nvSpPr>
+          <p:cNvPr id="74" name="TextBox 73">
+            <a:extLst>
+              <a:ext uri="{FF2B5EF4-FFF2-40B4-BE49-F238E27FC236}">
+                <a16:creationId xmlns:a16="http://schemas.microsoft.com/office/drawing/2014/main" id="{4B6D9876-BAC7-435F-89CF-6485A5DB5ADC}"/>
+              </a:ext>
+            </a:extLst>
+          </p:cNvPr>
+          <p:cNvSpPr txBox="1"/>
+          <p:nvPr/>
+        </p:nvSpPr>
+        <p:spPr>
+          <a:xfrm>
+            <a:off x="1448229" y="4437013"/>
+            <a:ext cx="550724" cy="369332"/>
+          </a:xfrm>
+          <a:prstGeom prst="rect">
+            <a:avLst/>
+          </a:prstGeom>
+          <a:solidFill>
+            <a:schemeClr val="bg1"/>
+          </a:solidFill>
+        </p:spPr>
+        <p:txBody>
+          <a:bodyPr wrap="square" rtlCol="0">
+            <a:spAutoFit/>
+          </a:bodyPr>
+          <a:lstStyle/>
+          <a:p>
+            <a:pPr algn="ctr"/>
+            <a:r>
+              <a:rPr lang="en-US" dirty="0">
+                <a:solidFill>
+                  <a:schemeClr val="tx2"/>
+                </a:solidFill>
+              </a:rPr>
+              <a:t>2 ft</a:t>
+            </a:r>
+          </a:p>
+        </p:txBody>
+      </p:sp>
+      <p:sp>
+        <p:nvSpPr>
+          <p:cNvPr id="75" name="TextBox 74">
+            <a:extLst>
+              <a:ext uri="{FF2B5EF4-FFF2-40B4-BE49-F238E27FC236}">
+                <a16:creationId xmlns:a16="http://schemas.microsoft.com/office/drawing/2014/main" id="{46B3F513-6121-4B0E-B863-83AE5B3A7010}"/>
+              </a:ext>
+            </a:extLst>
+          </p:cNvPr>
+          <p:cNvSpPr txBox="1"/>
+          <p:nvPr/>
+        </p:nvSpPr>
+        <p:spPr>
+          <a:xfrm>
+            <a:off x="7169655" y="4450696"/>
+            <a:ext cx="550724" cy="369332"/>
+          </a:xfrm>
+          <a:prstGeom prst="rect">
+            <a:avLst/>
+          </a:prstGeom>
+          <a:solidFill>
+            <a:schemeClr val="bg1"/>
+          </a:solidFill>
+        </p:spPr>
+        <p:txBody>
+          <a:bodyPr wrap="square" rtlCol="0">
+            <a:spAutoFit/>
+          </a:bodyPr>
+          <a:lstStyle/>
+          <a:p>
+            <a:pPr algn="ctr"/>
+            <a:r>
+              <a:rPr lang="en-US" dirty="0">
+                <a:solidFill>
+                  <a:schemeClr val="tx2"/>
+                </a:solidFill>
+              </a:rPr>
+              <a:t>2 ft</a:t>
+            </a:r>
+          </a:p>
+        </p:txBody>
+      </p:sp>
+      <p:sp>
+        <p:nvSpPr>
+          <p:cNvPr id="76" name="TextBox 75">
+            <a:extLst>
+              <a:ext uri="{FF2B5EF4-FFF2-40B4-BE49-F238E27FC236}">
+                <a16:creationId xmlns:a16="http://schemas.microsoft.com/office/drawing/2014/main" id="{B836BFE4-F311-4657-B2FF-033B819FEC9F}"/>
+              </a:ext>
+            </a:extLst>
+          </p:cNvPr>
+          <p:cNvSpPr txBox="1"/>
+          <p:nvPr/>
+        </p:nvSpPr>
+        <p:spPr>
+          <a:xfrm>
+            <a:off x="6377337" y="4450696"/>
+            <a:ext cx="550724" cy="369332"/>
+          </a:xfrm>
+          <a:prstGeom prst="rect">
+            <a:avLst/>
+          </a:prstGeom>
+          <a:solidFill>
+            <a:schemeClr val="bg1"/>
+          </a:solidFill>
+        </p:spPr>
+        <p:txBody>
+          <a:bodyPr wrap="square" rtlCol="0">
+            <a:spAutoFit/>
+          </a:bodyPr>
+          <a:lstStyle/>
+          <a:p>
+            <a:pPr algn="ctr"/>
+            <a:r>
+              <a:rPr lang="en-US" dirty="0">
+                <a:solidFill>
+                  <a:schemeClr val="tx2"/>
+                </a:solidFill>
+              </a:rPr>
+              <a:t>3 ft</a:t>
+            </a:r>
+          </a:p>
+        </p:txBody>
+      </p:sp>
+      <p:sp>
+        <p:nvSpPr>
+          <p:cNvPr id="77" name="TextBox 76">
+            <a:extLst>
+              <a:ext uri="{FF2B5EF4-FFF2-40B4-BE49-F238E27FC236}">
+                <a16:creationId xmlns:a16="http://schemas.microsoft.com/office/drawing/2014/main" id="{B5CA9463-F5AE-46F6-A770-FC21096585D7}"/>
+              </a:ext>
+            </a:extLst>
+          </p:cNvPr>
+          <p:cNvSpPr txBox="1"/>
+          <p:nvPr/>
+        </p:nvSpPr>
+        <p:spPr>
+          <a:xfrm>
+            <a:off x="5132011" y="4437013"/>
+            <a:ext cx="550724" cy="369332"/>
+          </a:xfrm>
+          <a:prstGeom prst="rect">
+            <a:avLst/>
+          </a:prstGeom>
+          <a:solidFill>
+            <a:schemeClr val="bg1"/>
+          </a:solidFill>
+        </p:spPr>
+        <p:txBody>
+          <a:bodyPr wrap="square" rtlCol="0">
+            <a:spAutoFit/>
+          </a:bodyPr>
+          <a:lstStyle/>
+          <a:p>
+            <a:pPr algn="ctr"/>
+            <a:r>
+              <a:rPr lang="en-US" dirty="0">
+                <a:solidFill>
+                  <a:schemeClr val="tx2"/>
+                </a:solidFill>
+              </a:rPr>
+              <a:t>5 ft</a:t>
+            </a:r>
+          </a:p>
+        </p:txBody>
+      </p:sp>
+      <p:sp>
+        <p:nvSpPr>
+          <p:cNvPr id="78" name="TextBox 77">
+            <a:extLst>
+              <a:ext uri="{FF2B5EF4-FFF2-40B4-BE49-F238E27FC236}">
+                <a16:creationId xmlns:a16="http://schemas.microsoft.com/office/drawing/2014/main" id="{467A9DCA-5B99-459F-A38F-AAF755DAE20A}"/>
+              </a:ext>
+            </a:extLst>
+          </p:cNvPr>
+          <p:cNvSpPr txBox="1"/>
+          <p:nvPr/>
+        </p:nvSpPr>
+        <p:spPr>
+          <a:xfrm>
+            <a:off x="3077118" y="4437013"/>
+            <a:ext cx="550724" cy="369332"/>
+          </a:xfrm>
+          <a:prstGeom prst="rect">
+            <a:avLst/>
+          </a:prstGeom>
+          <a:solidFill>
+            <a:schemeClr val="bg1"/>
+          </a:solidFill>
+        </p:spPr>
+        <p:txBody>
+          <a:bodyPr wrap="square" rtlCol="0">
+            <a:spAutoFit/>
+          </a:bodyPr>
+          <a:lstStyle/>
+          <a:p>
+            <a:pPr algn="ctr"/>
+            <a:r>
+              <a:rPr lang="en-US" dirty="0">
+                <a:solidFill>
+                  <a:schemeClr val="tx2"/>
+                </a:solidFill>
+              </a:rPr>
+              <a:t>8 ft</a:t>
+            </a:r>
+          </a:p>
+        </p:txBody>
+      </p:sp>
+    </p:spTree>
+    <p:extLst>
+      <p:ext uri="{BB962C8B-B14F-4D97-AF65-F5344CB8AC3E}">
+        <p14:creationId xmlns:p14="http://schemas.microsoft.com/office/powerpoint/2010/main" val="3569663951"/>
+      </p:ext>
+    </p:extLst>
+  </p:cSld>
+  <p:clrMapOvr>
+    <a:masterClrMapping/>
+  </p:clrMapOvr>
+</p:sld>
+</file>
+
+<file path=ppt/slides/slide12.xml><?xml version="1.0" encoding="utf-8"?>
+<p:sld xmlns:a="http://schemas.openxmlformats.org/drawingml/2006/main" xmlns:r="http://schemas.openxmlformats.org/officeDocument/2006/relationships" xmlns:p="http://schemas.openxmlformats.org/presentationml/2006/main">
+  <p:cSld>
+    <p:spTree>
+      <p:nvGrpSpPr>
+        <p:cNvPr id="1" name=""/>
+        <p:cNvGrpSpPr/>
+        <p:nvPr/>
+      </p:nvGrpSpPr>
+      <p:grpSpPr>
+        <a:xfrm>
+          <a:off x="0" y="0"/>
+          <a:ext cx="0" cy="0"/>
+          <a:chOff x="0" y="0"/>
+          <a:chExt cx="0" cy="0"/>
+        </a:xfrm>
+      </p:grpSpPr>
       <p:sp>
         <p:nvSpPr>
           <p:cNvPr id="2" name="Title 1"/>
@@ -4926,7 +6348,7 @@
 </p:sld>
 </file>
 
-<file path=ppt/slides/slide12.xml><?xml version="1.0" encoding="utf-8"?>
+<file path=ppt/slides/slide13.xml><?xml version="1.0" encoding="utf-8"?>
 <p:sld xmlns:a="http://schemas.openxmlformats.org/drawingml/2006/main" xmlns:r="http://schemas.openxmlformats.org/officeDocument/2006/relationships" xmlns:p="http://schemas.openxmlformats.org/presentationml/2006/main">
   <p:cSld>
     <p:spTree>
@@ -19642,6 +21064,21 @@
 </file>
 
 <file path=customXml/item1.xml><?xml version="1.0" encoding="utf-8"?>
+<?mso-contentType ?>
+<FormTemplates xmlns="http://schemas.microsoft.com/sharepoint/v3/contenttype/forms">
+  <Display>DocumentLibraryForm</Display>
+  <Edit>DocumentLibraryForm</Edit>
+  <New>DocumentLibraryForm</New>
+</FormTemplates>
+</file>
+
+<file path=customXml/item2.xml><?xml version="1.0" encoding="utf-8"?>
+<p:properties xmlns:p="http://schemas.microsoft.com/office/2006/metadata/properties" xmlns:xsi="http://www.w3.org/2001/XMLSchema-instance" xmlns:pc="http://schemas.microsoft.com/office/infopath/2007/PartnerControls">
+  <documentManagement/>
+</p:properties>
+</file>
+
+<file path=customXml/item3.xml><?xml version="1.0" encoding="utf-8"?>
 <ct:contentTypeSchema xmlns:ct="http://schemas.microsoft.com/office/2006/metadata/contentType" xmlns:ma="http://schemas.microsoft.com/office/2006/metadata/properties/metaAttributes" ct:_="" ma:_="" ma:contentTypeName="Document" ma:contentTypeID="0x010100A06DF21F5BB2734A800ED30F3F452129" ma:contentTypeVersion="12" ma:contentTypeDescription="Create a new document." ma:contentTypeScope="" ma:versionID="544d96a5fbac5de9d5d902b535c73fb2">
   <xsd:schema xmlns:xsd="http://www.w3.org/2001/XMLSchema" xmlns:xs="http://www.w3.org/2001/XMLSchema" xmlns:p="http://schemas.microsoft.com/office/2006/metadata/properties" xmlns:ns3="90d05cb5-950f-4f68-bc2c-e17794455b92" xmlns:ns4="b4eab9fa-dbb0-4082-8491-8bd54207a265" targetNamespace="http://schemas.microsoft.com/office/2006/metadata/properties" ma:root="true" ma:fieldsID="7a710efc71c2169bf9c05e5a40dddf12" ns3:_="" ns4:_="">
     <xsd:import namespace="90d05cb5-950f-4f68-bc2c-e17794455b92"/>
@@ -19858,22 +21295,24 @@
 </ct:contentTypeSchema>
 </file>
 
-<file path=customXml/item2.xml><?xml version="1.0" encoding="utf-8"?>
-<p:properties xmlns:p="http://schemas.microsoft.com/office/2006/metadata/properties" xmlns:xsi="http://www.w3.org/2001/XMLSchema-instance" xmlns:pc="http://schemas.microsoft.com/office/infopath/2007/PartnerControls">
-  <documentManagement/>
-</p:properties>
+<file path=customXml/itemProps1.xml><?xml version="1.0" encoding="utf-8"?>
+<ds:datastoreItem xmlns:ds="http://schemas.openxmlformats.org/officeDocument/2006/customXml" ds:itemID="{F5CF5F32-56DC-4068-8B04-457CF34A96F3}">
+  <ds:schemaRefs>
+    <ds:schemaRef ds:uri="http://schemas.microsoft.com/sharepoint/v3/contenttype/forms"/>
+  </ds:schemaRefs>
+</ds:datastoreItem>
 </file>
 
-<file path=customXml/item3.xml><?xml version="1.0" encoding="utf-8"?>
-<?mso-contentType ?>
-<FormTemplates xmlns="http://schemas.microsoft.com/sharepoint/v3/contenttype/forms">
-  <Display>DocumentLibraryForm</Display>
-  <Edit>DocumentLibraryForm</Edit>
-  <New>DocumentLibraryForm</New>
-</FormTemplates>
+<file path=customXml/itemProps2.xml><?xml version="1.0" encoding="utf-8"?>
+<ds:datastoreItem xmlns:ds="http://schemas.openxmlformats.org/officeDocument/2006/customXml" ds:itemID="{52EB1464-66D1-425A-BBB5-7A9312BBE9C4}">
+  <ds:schemaRefs>
+    <ds:schemaRef ds:uri="http://schemas.microsoft.com/office/2006/metadata/properties"/>
+    <ds:schemaRef ds:uri="http://schemas.microsoft.com/office/infopath/2007/PartnerControls"/>
+  </ds:schemaRefs>
+</ds:datastoreItem>
 </file>
 
-<file path=customXml/itemProps1.xml><?xml version="1.0" encoding="utf-8"?>
+<file path=customXml/itemProps3.xml><?xml version="1.0" encoding="utf-8"?>
 <ds:datastoreItem xmlns:ds="http://schemas.openxmlformats.org/officeDocument/2006/customXml" ds:itemID="{A43B8A4B-79FE-4529-931C-D64224FA70E3}">
   <ds:schemaRefs>
     <ds:schemaRef ds:uri="http://schemas.microsoft.com/office/2006/metadata/contentType"/>
@@ -19890,21 +21329,4 @@
     <ds:schemaRef ds:uri="http://schemas.microsoft.com/internal/obd"/>
   </ds:schemaRefs>
 </ds:datastoreItem>
-</file>
-
-<file path=customXml/itemProps2.xml><?xml version="1.0" encoding="utf-8"?>
-<ds:datastoreItem xmlns:ds="http://schemas.openxmlformats.org/officeDocument/2006/customXml" ds:itemID="{52EB1464-66D1-425A-BBB5-7A9312BBE9C4}">
-  <ds:schemaRefs>
-    <ds:schemaRef ds:uri="http://schemas.microsoft.com/office/2006/metadata/properties"/>
-    <ds:schemaRef ds:uri="http://schemas.microsoft.com/office/infopath/2007/PartnerControls"/>
-  </ds:schemaRefs>
-</ds:datastoreItem>
-</file>
-
-<file path=customXml/itemProps3.xml><?xml version="1.0" encoding="utf-8"?>
-<ds:datastoreItem xmlns:ds="http://schemas.openxmlformats.org/officeDocument/2006/customXml" ds:itemID="{F5CF5F32-56DC-4068-8B04-457CF34A96F3}">
-  <ds:schemaRefs>
-    <ds:schemaRef ds:uri="http://schemas.microsoft.com/sharepoint/v3/contenttype/forms"/>
-  </ds:schemaRefs>
-</ds:datastoreItem>
 </file>